--- a/Презентация для защиты.pptx
+++ b/Презентация для защиты.pptx
@@ -5,7 +5,7 @@
     <p:sldMasterId id="2147483648" r:id="rId1"/>
   </p:sldMasterIdLst>
   <p:notesMasterIdLst>
-    <p:notesMasterId r:id="rId11"/>
+    <p:notesMasterId r:id="rId16"/>
   </p:notesMasterIdLst>
   <p:sldIdLst>
     <p:sldId id="256" r:id="rId2"/>
@@ -14,9 +14,14 @@
     <p:sldId id="259" r:id="rId5"/>
     <p:sldId id="260" r:id="rId6"/>
     <p:sldId id="261" r:id="rId7"/>
-    <p:sldId id="262" r:id="rId8"/>
-    <p:sldId id="263" r:id="rId9"/>
-    <p:sldId id="264" r:id="rId10"/>
+    <p:sldId id="265" r:id="rId8"/>
+    <p:sldId id="262" r:id="rId9"/>
+    <p:sldId id="266" r:id="rId10"/>
+    <p:sldId id="263" r:id="rId11"/>
+    <p:sldId id="264" r:id="rId12"/>
+    <p:sldId id="267" r:id="rId13"/>
+    <p:sldId id="268" r:id="rId14"/>
+    <p:sldId id="269" r:id="rId15"/>
   </p:sldIdLst>
   <p:sldSz cx="12192000" cy="6858000"/>
   <p:notesSz cx="6858000" cy="9144000"/>
@@ -4415,6 +4420,2691 @@
     <p:extLst>
       <p:ext uri="{BB962C8B-B14F-4D97-AF65-F5344CB8AC3E}">
         <p14:creationId xmlns:p14="http://schemas.microsoft.com/office/powerpoint/2010/main" val="3372365030"/>
+      </p:ext>
+    </p:extLst>
+  </p:cSld>
+  <p:clrMapOvr>
+    <a:masterClrMapping/>
+  </p:clrMapOvr>
+</p:sld>
+</file>
+
+<file path=ppt/slides/slide10.xml><?xml version="1.0" encoding="utf-8"?>
+<p:sld xmlns:a="http://schemas.openxmlformats.org/drawingml/2006/main" xmlns:r="http://schemas.openxmlformats.org/officeDocument/2006/relationships" xmlns:p="http://schemas.openxmlformats.org/presentationml/2006/main">
+  <p:cSld>
+    <p:spTree>
+      <p:nvGrpSpPr>
+        <p:cNvPr id="1" name=""/>
+        <p:cNvGrpSpPr/>
+        <p:nvPr/>
+      </p:nvGrpSpPr>
+      <p:grpSpPr>
+        <a:xfrm>
+          <a:off x="0" y="0"/>
+          <a:ext cx="0" cy="0"/>
+          <a:chOff x="0" y="0"/>
+          <a:chExt cx="0" cy="0"/>
+        </a:xfrm>
+      </p:grpSpPr>
+      <p:pic>
+        <p:nvPicPr>
+          <p:cNvPr id="4" name="Рисунок 3">
+            <a:extLst>
+              <a:ext uri="{FF2B5EF4-FFF2-40B4-BE49-F238E27FC236}">
+                <a16:creationId xmlns:a16="http://schemas.microsoft.com/office/drawing/2014/main" id="{760BD680-D6E9-4F3A-9831-C9246A3FFC96}"/>
+              </a:ext>
+            </a:extLst>
+          </p:cNvPr>
+          <p:cNvPicPr/>
+          <p:nvPr/>
+        </p:nvPicPr>
+        <p:blipFill>
+          <a:blip r:embed="rId2">
+            <a:extLst>
+              <a:ext uri="{28A0092B-C50C-407E-A947-70E740481C1C}">
+                <a14:useLocalDpi xmlns:a14="http://schemas.microsoft.com/office/drawing/2010/main" val="0"/>
+              </a:ext>
+            </a:extLst>
+          </a:blip>
+          <a:srcRect/>
+          <a:stretch>
+            <a:fillRect/>
+          </a:stretch>
+        </p:blipFill>
+        <p:spPr bwMode="auto">
+          <a:xfrm>
+            <a:off x="3712325" y="985595"/>
+            <a:ext cx="5296921" cy="3596031"/>
+          </a:xfrm>
+          <a:prstGeom prst="rect">
+            <a:avLst/>
+          </a:prstGeom>
+          <a:noFill/>
+        </p:spPr>
+      </p:pic>
+      <p:sp>
+        <p:nvSpPr>
+          <p:cNvPr id="5" name="Подзаголовок 2">
+            <a:extLst>
+              <a:ext uri="{FF2B5EF4-FFF2-40B4-BE49-F238E27FC236}">
+                <a16:creationId xmlns:a16="http://schemas.microsoft.com/office/drawing/2014/main" id="{3A0F7C57-F1F5-4776-B9BA-28111AD164ED}"/>
+              </a:ext>
+            </a:extLst>
+          </p:cNvPr>
+          <p:cNvSpPr>
+            <a:spLocks noGrp="1"/>
+          </p:cNvSpPr>
+          <p:nvPr>
+            <p:ph type="subTitle" idx="1"/>
+          </p:nvPr>
+        </p:nvSpPr>
+        <p:spPr>
+          <a:xfrm>
+            <a:off x="1788786" y="402328"/>
+            <a:ext cx="9144000" cy="395195"/>
+          </a:xfrm>
+        </p:spPr>
+        <p:txBody>
+          <a:bodyPr>
+            <a:normAutofit/>
+          </a:bodyPr>
+          <a:lstStyle/>
+          <a:p>
+            <a:r>
+              <a:rPr lang="ru-RU" sz="2000" dirty="0">
+                <a:latin typeface="Times New Roman" panose="02020603050405020304" pitchFamily="18" charset="0"/>
+                <a:ea typeface="Calibri" panose="020F0502020204030204" pitchFamily="34" charset="0"/>
+              </a:rPr>
+              <a:t>А</a:t>
+            </a:r>
+            <a:r>
+              <a:rPr lang="ru-RU" sz="2000" dirty="0">
+                <a:effectLst/>
+                <a:latin typeface="Times New Roman" panose="02020603050405020304" pitchFamily="18" charset="0"/>
+                <a:ea typeface="Calibri" panose="020F0502020204030204" pitchFamily="34" charset="0"/>
+              </a:rPr>
+              <a:t>рхитектура программного обеспечения</a:t>
+            </a:r>
+          </a:p>
+          <a:p>
+            <a:endParaRPr lang="ru-RU" sz="2800" dirty="0">
+              <a:latin typeface="Times New Roman" panose="02020603050405020304" pitchFamily="18" charset="0"/>
+              <a:cs typeface="Times New Roman" panose="02020603050405020304" pitchFamily="18" charset="0"/>
+            </a:endParaRPr>
+          </a:p>
+        </p:txBody>
+      </p:sp>
+      <p:sp>
+        <p:nvSpPr>
+          <p:cNvPr id="6" name="Заголовок 1">
+            <a:extLst>
+              <a:ext uri="{FF2B5EF4-FFF2-40B4-BE49-F238E27FC236}">
+                <a16:creationId xmlns:a16="http://schemas.microsoft.com/office/drawing/2014/main" id="{8CEDF3A4-13E7-4C6B-B8CE-140F3A61E113}"/>
+              </a:ext>
+            </a:extLst>
+          </p:cNvPr>
+          <p:cNvSpPr>
+            <a:spLocks noGrp="1"/>
+          </p:cNvSpPr>
+          <p:nvPr>
+            <p:ph type="ctrTitle"/>
+          </p:nvPr>
+        </p:nvSpPr>
+        <p:spPr>
+          <a:xfrm>
+            <a:off x="1524000" y="4235116"/>
+            <a:ext cx="9144000" cy="2011680"/>
+          </a:xfrm>
+        </p:spPr>
+        <p:txBody>
+          <a:bodyPr>
+            <a:normAutofit/>
+          </a:bodyPr>
+          <a:lstStyle/>
+          <a:p>
+            <a:r>
+              <a:rPr lang="ru-RU" sz="2000" dirty="0">
+                <a:effectLst/>
+                <a:latin typeface="Times New Roman" panose="02020603050405020304" pitchFamily="18" charset="0"/>
+                <a:ea typeface="Calibri" panose="020F0502020204030204" pitchFamily="34" charset="0"/>
+              </a:rPr>
+              <a:t>Программное обеспечение разрабатываемой информационной системы было реализовано в виде клиент-серверного приложения. </a:t>
+            </a:r>
+            <a:br>
+              <a:rPr lang="ru-RU" sz="2000" dirty="0">
+                <a:effectLst/>
+                <a:latin typeface="Times New Roman" panose="02020603050405020304" pitchFamily="18" charset="0"/>
+                <a:ea typeface="Calibri" panose="020F0502020204030204" pitchFamily="34" charset="0"/>
+              </a:rPr>
+            </a:br>
+            <a:r>
+              <a:rPr lang="ru-RU" sz="2000" dirty="0">
+                <a:effectLst/>
+                <a:latin typeface="Times New Roman" panose="02020603050405020304" pitchFamily="18" charset="0"/>
+                <a:ea typeface="Calibri" panose="020F0502020204030204" pitchFamily="34" charset="0"/>
+              </a:rPr>
+              <a:t>На компьютере каждого пользователя должна быть установлена, разработанная в данной дипломной работе, клиентская программа «</a:t>
+            </a:r>
+            <a:r>
+              <a:rPr lang="ru-RU" sz="2000" dirty="0" err="1">
+                <a:effectLst/>
+                <a:latin typeface="Times New Roman" panose="02020603050405020304" pitchFamily="18" charset="0"/>
+                <a:ea typeface="Calibri" panose="020F0502020204030204" pitchFamily="34" charset="0"/>
+              </a:rPr>
+              <a:t>Rattlesnake</a:t>
+            </a:r>
+            <a:r>
+              <a:rPr lang="ru-RU" sz="2000" dirty="0">
+                <a:effectLst/>
+                <a:latin typeface="Times New Roman" panose="02020603050405020304" pitchFamily="18" charset="0"/>
+                <a:ea typeface="Calibri" panose="020F0502020204030204" pitchFamily="34" charset="0"/>
+              </a:rPr>
+              <a:t>.</a:t>
+            </a:r>
+            <a:r>
+              <a:rPr lang="en-US" sz="2000" dirty="0">
+                <a:effectLst/>
+                <a:latin typeface="Times New Roman" panose="02020603050405020304" pitchFamily="18" charset="0"/>
+                <a:ea typeface="Calibri" panose="020F0502020204030204" pitchFamily="34" charset="0"/>
+              </a:rPr>
+              <a:t>exe</a:t>
+            </a:r>
+            <a:r>
+              <a:rPr lang="ru-RU" sz="2000" dirty="0">
+                <a:effectLst/>
+                <a:latin typeface="Times New Roman" panose="02020603050405020304" pitchFamily="18" charset="0"/>
+                <a:ea typeface="Calibri" panose="020F0502020204030204" pitchFamily="34" charset="0"/>
+              </a:rPr>
+              <a:t>». Данная программа взаимодействует с сервером, установленным в локальной сети, который работает с базой данных «</a:t>
+            </a:r>
+            <a:r>
+              <a:rPr lang="ru-RU" sz="2000" dirty="0" err="1">
+                <a:effectLst/>
+                <a:latin typeface="Times New Roman" panose="02020603050405020304" pitchFamily="18" charset="0"/>
+                <a:ea typeface="Calibri" panose="020F0502020204030204" pitchFamily="34" charset="0"/>
+              </a:rPr>
+              <a:t>RattleSnakeDB</a:t>
+            </a:r>
+            <a:r>
+              <a:rPr lang="ru-RU" sz="2000" dirty="0">
+                <a:effectLst/>
+                <a:latin typeface="Times New Roman" panose="02020603050405020304" pitchFamily="18" charset="0"/>
+                <a:ea typeface="Calibri" panose="020F0502020204030204" pitchFamily="34" charset="0"/>
+              </a:rPr>
+              <a:t>». </a:t>
+            </a:r>
+            <a:endParaRPr lang="ru-RU" sz="6600" dirty="0"/>
+          </a:p>
+        </p:txBody>
+      </p:sp>
+    </p:spTree>
+    <p:extLst>
+      <p:ext uri="{BB962C8B-B14F-4D97-AF65-F5344CB8AC3E}">
+        <p14:creationId xmlns:p14="http://schemas.microsoft.com/office/powerpoint/2010/main" val="825300757"/>
+      </p:ext>
+    </p:extLst>
+  </p:cSld>
+  <p:clrMapOvr>
+    <a:masterClrMapping/>
+  </p:clrMapOvr>
+</p:sld>
+</file>
+
+<file path=ppt/slides/slide11.xml><?xml version="1.0" encoding="utf-8"?>
+<p:sld xmlns:a="http://schemas.openxmlformats.org/drawingml/2006/main" xmlns:r="http://schemas.openxmlformats.org/officeDocument/2006/relationships" xmlns:p="http://schemas.openxmlformats.org/presentationml/2006/main">
+  <p:cSld>
+    <p:spTree>
+      <p:nvGrpSpPr>
+        <p:cNvPr id="1" name=""/>
+        <p:cNvGrpSpPr/>
+        <p:nvPr/>
+      </p:nvGrpSpPr>
+      <p:grpSpPr>
+        <a:xfrm>
+          <a:off x="0" y="0"/>
+          <a:ext cx="0" cy="0"/>
+          <a:chOff x="0" y="0"/>
+          <a:chExt cx="0" cy="0"/>
+        </a:xfrm>
+      </p:grpSpPr>
+      <p:pic>
+        <p:nvPicPr>
+          <p:cNvPr id="4" name="Рисунок 3">
+            <a:extLst>
+              <a:ext uri="{FF2B5EF4-FFF2-40B4-BE49-F238E27FC236}">
+                <a16:creationId xmlns:a16="http://schemas.microsoft.com/office/drawing/2014/main" id="{B3BF1153-98E3-48FA-A0F2-3A1C91470168}"/>
+              </a:ext>
+            </a:extLst>
+          </p:cNvPr>
+          <p:cNvPicPr>
+            <a:picLocks noChangeAspect="1"/>
+          </p:cNvPicPr>
+          <p:nvPr/>
+        </p:nvPicPr>
+        <p:blipFill>
+          <a:blip r:embed="rId2"/>
+          <a:stretch>
+            <a:fillRect/>
+          </a:stretch>
+        </p:blipFill>
+        <p:spPr>
+          <a:xfrm>
+            <a:off x="229252" y="673756"/>
+            <a:ext cx="5866748" cy="6031156"/>
+          </a:xfrm>
+          <a:prstGeom prst="rect">
+            <a:avLst/>
+          </a:prstGeom>
+        </p:spPr>
+      </p:pic>
+      <p:pic>
+        <p:nvPicPr>
+          <p:cNvPr id="2" name="Рисунок 1">
+            <a:extLst>
+              <a:ext uri="{FF2B5EF4-FFF2-40B4-BE49-F238E27FC236}">
+                <a16:creationId xmlns:a16="http://schemas.microsoft.com/office/drawing/2014/main" id="{791B47A0-E88A-45FF-9BC7-511EFF83CBB0}"/>
+              </a:ext>
+            </a:extLst>
+          </p:cNvPr>
+          <p:cNvPicPr>
+            <a:picLocks noChangeAspect="1"/>
+          </p:cNvPicPr>
+          <p:nvPr/>
+        </p:nvPicPr>
+        <p:blipFill>
+          <a:blip r:embed="rId3"/>
+          <a:stretch>
+            <a:fillRect/>
+          </a:stretch>
+        </p:blipFill>
+        <p:spPr>
+          <a:xfrm>
+            <a:off x="7284400" y="2114366"/>
+            <a:ext cx="4572638" cy="2629267"/>
+          </a:xfrm>
+          <a:prstGeom prst="rect">
+            <a:avLst/>
+          </a:prstGeom>
+        </p:spPr>
+      </p:pic>
+      <p:pic>
+        <p:nvPicPr>
+          <p:cNvPr id="3" name="Рисунок 2">
+            <a:extLst>
+              <a:ext uri="{FF2B5EF4-FFF2-40B4-BE49-F238E27FC236}">
+                <a16:creationId xmlns:a16="http://schemas.microsoft.com/office/drawing/2014/main" id="{4CDED1FA-5AB0-4681-86D7-EEE350FF7996}"/>
+              </a:ext>
+            </a:extLst>
+          </p:cNvPr>
+          <p:cNvPicPr>
+            <a:picLocks noChangeAspect="1"/>
+          </p:cNvPicPr>
+          <p:nvPr/>
+        </p:nvPicPr>
+        <p:blipFill>
+          <a:blip r:embed="rId4"/>
+          <a:stretch>
+            <a:fillRect/>
+          </a:stretch>
+        </p:blipFill>
+        <p:spPr>
+          <a:xfrm>
+            <a:off x="229252" y="673756"/>
+            <a:ext cx="6303585" cy="5869963"/>
+          </a:xfrm>
+          <a:prstGeom prst="rect">
+            <a:avLst/>
+          </a:prstGeom>
+        </p:spPr>
+      </p:pic>
+      <p:pic>
+        <p:nvPicPr>
+          <p:cNvPr id="5" name="Рисунок 4">
+            <a:extLst>
+              <a:ext uri="{FF2B5EF4-FFF2-40B4-BE49-F238E27FC236}">
+                <a16:creationId xmlns:a16="http://schemas.microsoft.com/office/drawing/2014/main" id="{1AA9FAFB-155C-4DF6-8232-04F1CEB1FC6D}"/>
+              </a:ext>
+            </a:extLst>
+          </p:cNvPr>
+          <p:cNvPicPr>
+            <a:picLocks noChangeAspect="1"/>
+          </p:cNvPicPr>
+          <p:nvPr/>
+        </p:nvPicPr>
+        <p:blipFill>
+          <a:blip r:embed="rId5"/>
+          <a:stretch>
+            <a:fillRect/>
+          </a:stretch>
+        </p:blipFill>
+        <p:spPr>
+          <a:xfrm>
+            <a:off x="6532837" y="1115987"/>
+            <a:ext cx="5429911" cy="4985499"/>
+          </a:xfrm>
+          <a:prstGeom prst="rect">
+            <a:avLst/>
+          </a:prstGeom>
+        </p:spPr>
+      </p:pic>
+      <p:sp>
+        <p:nvSpPr>
+          <p:cNvPr id="6" name="Подзаголовок 2">
+            <a:extLst>
+              <a:ext uri="{FF2B5EF4-FFF2-40B4-BE49-F238E27FC236}">
+                <a16:creationId xmlns:a16="http://schemas.microsoft.com/office/drawing/2014/main" id="{FFB04D96-FE63-44DD-9746-3001F826ADE7}"/>
+              </a:ext>
+            </a:extLst>
+          </p:cNvPr>
+          <p:cNvSpPr>
+            <a:spLocks noGrp="1"/>
+          </p:cNvSpPr>
+          <p:nvPr>
+            <p:ph type="subTitle" idx="1"/>
+          </p:nvPr>
+        </p:nvSpPr>
+        <p:spPr>
+          <a:xfrm>
+            <a:off x="1701710" y="344576"/>
+            <a:ext cx="9144000" cy="395195"/>
+          </a:xfrm>
+        </p:spPr>
+        <p:txBody>
+          <a:bodyPr>
+            <a:normAutofit/>
+          </a:bodyPr>
+          <a:lstStyle/>
+          <a:p>
+            <a:r>
+              <a:rPr lang="ru-RU" sz="2000" dirty="0">
+                <a:effectLst/>
+                <a:latin typeface="Times New Roman" panose="02020603050405020304" pitchFamily="18" charset="0"/>
+                <a:ea typeface="Calibri" panose="020F0502020204030204" pitchFamily="34" charset="0"/>
+              </a:rPr>
+              <a:t>Разработка кода</a:t>
+            </a:r>
+            <a:endParaRPr lang="ru-RU" sz="2800" dirty="0">
+              <a:latin typeface="Times New Roman" panose="02020603050405020304" pitchFamily="18" charset="0"/>
+              <a:cs typeface="Times New Roman" panose="02020603050405020304" pitchFamily="18" charset="0"/>
+            </a:endParaRPr>
+          </a:p>
+        </p:txBody>
+      </p:sp>
+    </p:spTree>
+    <p:extLst>
+      <p:ext uri="{BB962C8B-B14F-4D97-AF65-F5344CB8AC3E}">
+        <p14:creationId xmlns:p14="http://schemas.microsoft.com/office/powerpoint/2010/main" val="3134202529"/>
+      </p:ext>
+    </p:extLst>
+  </p:cSld>
+  <p:clrMapOvr>
+    <a:masterClrMapping/>
+  </p:clrMapOvr>
+  <p:timing>
+    <p:tnLst>
+      <p:par>
+        <p:cTn id="1" dur="indefinite" restart="never" nodeType="tmRoot">
+          <p:childTnLst>
+            <p:seq concurrent="1" nextAc="seek">
+              <p:cTn id="2" dur="indefinite" nodeType="mainSeq">
+                <p:childTnLst>
+                  <p:par>
+                    <p:cTn id="3" fill="hold">
+                      <p:stCondLst>
+                        <p:cond delay="indefinite"/>
+                      </p:stCondLst>
+                      <p:childTnLst>
+                        <p:par>
+                          <p:cTn id="4" fill="hold">
+                            <p:stCondLst>
+                              <p:cond delay="0"/>
+                            </p:stCondLst>
+                            <p:childTnLst>
+                              <p:par>
+                                <p:cTn id="5" presetID="10" presetClass="exit" presetSubtype="0" fill="hold" nodeType="clickEffect">
+                                  <p:stCondLst>
+                                    <p:cond delay="0"/>
+                                  </p:stCondLst>
+                                  <p:childTnLst>
+                                    <p:animEffect transition="out" filter="fade">
+                                      <p:cBhvr>
+                                        <p:cTn id="6" dur="500"/>
+                                        <p:tgtEl>
+                                          <p:spTgt spid="4"/>
+                                        </p:tgtEl>
+                                      </p:cBhvr>
+                                    </p:animEffect>
+                                    <p:set>
+                                      <p:cBhvr>
+                                        <p:cTn id="7" dur="1" fill="hold">
+                                          <p:stCondLst>
+                                            <p:cond delay="499"/>
+                                          </p:stCondLst>
+                                        </p:cTn>
+                                        <p:tgtEl>
+                                          <p:spTgt spid="4"/>
+                                        </p:tgtEl>
+                                        <p:attrNameLst>
+                                          <p:attrName>style.visibility</p:attrName>
+                                        </p:attrNameLst>
+                                      </p:cBhvr>
+                                      <p:to>
+                                        <p:strVal val="hidden"/>
+                                      </p:to>
+                                    </p:set>
+                                  </p:childTnLst>
+                                </p:cTn>
+                              </p:par>
+                              <p:par>
+                                <p:cTn id="8" presetID="10" presetClass="exit" presetSubtype="0" fill="hold" nodeType="withEffect">
+                                  <p:stCondLst>
+                                    <p:cond delay="0"/>
+                                  </p:stCondLst>
+                                  <p:childTnLst>
+                                    <p:animEffect transition="out" filter="fade">
+                                      <p:cBhvr>
+                                        <p:cTn id="9" dur="500"/>
+                                        <p:tgtEl>
+                                          <p:spTgt spid="2"/>
+                                        </p:tgtEl>
+                                      </p:cBhvr>
+                                    </p:animEffect>
+                                    <p:set>
+                                      <p:cBhvr>
+                                        <p:cTn id="10" dur="1" fill="hold">
+                                          <p:stCondLst>
+                                            <p:cond delay="499"/>
+                                          </p:stCondLst>
+                                        </p:cTn>
+                                        <p:tgtEl>
+                                          <p:spTgt spid="2"/>
+                                        </p:tgtEl>
+                                        <p:attrNameLst>
+                                          <p:attrName>style.visibility</p:attrName>
+                                        </p:attrNameLst>
+                                      </p:cBhvr>
+                                      <p:to>
+                                        <p:strVal val="hidden"/>
+                                      </p:to>
+                                    </p:set>
+                                  </p:childTnLst>
+                                </p:cTn>
+                              </p:par>
+                              <p:par>
+                                <p:cTn id="11" presetID="1" presetClass="entr" presetSubtype="0" fill="hold" nodeType="withEffect">
+                                  <p:stCondLst>
+                                    <p:cond delay="0"/>
+                                  </p:stCondLst>
+                                  <p:childTnLst>
+                                    <p:set>
+                                      <p:cBhvr>
+                                        <p:cTn id="12" dur="1" fill="hold">
+                                          <p:stCondLst>
+                                            <p:cond delay="0"/>
+                                          </p:stCondLst>
+                                        </p:cTn>
+                                        <p:tgtEl>
+                                          <p:spTgt spid="3"/>
+                                        </p:tgtEl>
+                                        <p:attrNameLst>
+                                          <p:attrName>style.visibility</p:attrName>
+                                        </p:attrNameLst>
+                                      </p:cBhvr>
+                                      <p:to>
+                                        <p:strVal val="visible"/>
+                                      </p:to>
+                                    </p:set>
+                                  </p:childTnLst>
+                                </p:cTn>
+                              </p:par>
+                              <p:par>
+                                <p:cTn id="13" presetID="1" presetClass="entr" presetSubtype="0" fill="hold" nodeType="withEffect">
+                                  <p:stCondLst>
+                                    <p:cond delay="0"/>
+                                  </p:stCondLst>
+                                  <p:childTnLst>
+                                    <p:set>
+                                      <p:cBhvr>
+                                        <p:cTn id="14" dur="1" fill="hold">
+                                          <p:stCondLst>
+                                            <p:cond delay="0"/>
+                                          </p:stCondLst>
+                                        </p:cTn>
+                                        <p:tgtEl>
+                                          <p:spTgt spid="5"/>
+                                        </p:tgtEl>
+                                        <p:attrNameLst>
+                                          <p:attrName>style.visibility</p:attrName>
+                                        </p:attrNameLst>
+                                      </p:cBhvr>
+                                      <p:to>
+                                        <p:strVal val="visible"/>
+                                      </p:to>
+                                    </p:set>
+                                  </p:childTnLst>
+                                </p:cTn>
+                              </p:par>
+                            </p:childTnLst>
+                          </p:cTn>
+                        </p:par>
+                      </p:childTnLst>
+                    </p:cTn>
+                  </p:par>
+                </p:childTnLst>
+              </p:cTn>
+              <p:prevCondLst>
+                <p:cond evt="onPrev" delay="0">
+                  <p:tgtEl>
+                    <p:sldTgt/>
+                  </p:tgtEl>
+                </p:cond>
+              </p:prevCondLst>
+              <p:nextCondLst>
+                <p:cond evt="onNext" delay="0">
+                  <p:tgtEl>
+                    <p:sldTgt/>
+                  </p:tgtEl>
+                </p:cond>
+              </p:nextCondLst>
+            </p:seq>
+          </p:childTnLst>
+        </p:cTn>
+      </p:par>
+    </p:tnLst>
+  </p:timing>
+</p:sld>
+</file>
+
+<file path=ppt/slides/slide12.xml><?xml version="1.0" encoding="utf-8"?>
+<p:sld xmlns:a="http://schemas.openxmlformats.org/drawingml/2006/main" xmlns:r="http://schemas.openxmlformats.org/officeDocument/2006/relationships" xmlns:p="http://schemas.openxmlformats.org/presentationml/2006/main">
+  <p:cSld>
+    <p:spTree>
+      <p:nvGrpSpPr>
+        <p:cNvPr id="1" name=""/>
+        <p:cNvGrpSpPr/>
+        <p:nvPr/>
+      </p:nvGrpSpPr>
+      <p:grpSpPr>
+        <a:xfrm>
+          <a:off x="0" y="0"/>
+          <a:ext cx="0" cy="0"/>
+          <a:chOff x="0" y="0"/>
+          <a:chExt cx="0" cy="0"/>
+        </a:xfrm>
+      </p:grpSpPr>
+      <p:pic>
+        <p:nvPicPr>
+          <p:cNvPr id="5" name="Рисунок 4">
+            <a:hlinkClick r:id="rId2" action="ppaction://hlinkfile"/>
+            <a:extLst>
+              <a:ext uri="{FF2B5EF4-FFF2-40B4-BE49-F238E27FC236}">
+                <a16:creationId xmlns:a16="http://schemas.microsoft.com/office/drawing/2014/main" id="{18470D13-81CC-4555-AAAE-422C730B6079}"/>
+              </a:ext>
+            </a:extLst>
+          </p:cNvPr>
+          <p:cNvPicPr>
+            <a:picLocks noChangeAspect="1"/>
+          </p:cNvPicPr>
+          <p:nvPr/>
+        </p:nvPicPr>
+        <p:blipFill>
+          <a:blip r:embed="rId3"/>
+          <a:stretch>
+            <a:fillRect/>
+          </a:stretch>
+        </p:blipFill>
+        <p:spPr>
+          <a:xfrm>
+            <a:off x="3032538" y="2614957"/>
+            <a:ext cx="7185676" cy="1012069"/>
+          </a:xfrm>
+          <a:prstGeom prst="rect">
+            <a:avLst/>
+          </a:prstGeom>
+        </p:spPr>
+      </p:pic>
+      <p:sp>
+        <p:nvSpPr>
+          <p:cNvPr id="6" name="Подзаголовок 2">
+            <a:extLst>
+              <a:ext uri="{FF2B5EF4-FFF2-40B4-BE49-F238E27FC236}">
+                <a16:creationId xmlns:a16="http://schemas.microsoft.com/office/drawing/2014/main" id="{0CDA69F7-6BFE-4029-9227-7F5FD5B009D8}"/>
+              </a:ext>
+            </a:extLst>
+          </p:cNvPr>
+          <p:cNvSpPr>
+            <a:spLocks noGrp="1"/>
+          </p:cNvSpPr>
+          <p:nvPr>
+            <p:ph type="subTitle" idx="1"/>
+          </p:nvPr>
+        </p:nvSpPr>
+        <p:spPr>
+          <a:xfrm>
+            <a:off x="1701710" y="488955"/>
+            <a:ext cx="9144000" cy="395195"/>
+          </a:xfrm>
+        </p:spPr>
+        <p:txBody>
+          <a:bodyPr>
+            <a:normAutofit lnSpcReduction="10000"/>
+          </a:bodyPr>
+          <a:lstStyle/>
+          <a:p>
+            <a:r>
+              <a:rPr lang="ru-RU" dirty="0">
+                <a:effectLst/>
+                <a:latin typeface="Times New Roman" panose="02020603050405020304" pitchFamily="18" charset="0"/>
+                <a:ea typeface="Calibri" panose="020F0502020204030204" pitchFamily="34" charset="0"/>
+              </a:rPr>
+              <a:t>Практическая часть диплома</a:t>
+            </a:r>
+            <a:endParaRPr lang="ru-RU" sz="3200" dirty="0">
+              <a:latin typeface="Times New Roman" panose="02020603050405020304" pitchFamily="18" charset="0"/>
+              <a:cs typeface="Times New Roman" panose="02020603050405020304" pitchFamily="18" charset="0"/>
+            </a:endParaRPr>
+          </a:p>
+        </p:txBody>
+      </p:sp>
+    </p:spTree>
+    <p:extLst>
+      <p:ext uri="{BB962C8B-B14F-4D97-AF65-F5344CB8AC3E}">
+        <p14:creationId xmlns:p14="http://schemas.microsoft.com/office/powerpoint/2010/main" val="1578157935"/>
+      </p:ext>
+    </p:extLst>
+  </p:cSld>
+  <p:clrMapOvr>
+    <a:masterClrMapping/>
+  </p:clrMapOvr>
+</p:sld>
+</file>
+
+<file path=ppt/slides/slide13.xml><?xml version="1.0" encoding="utf-8"?>
+<p:sld xmlns:a="http://schemas.openxmlformats.org/drawingml/2006/main" xmlns:r="http://schemas.openxmlformats.org/officeDocument/2006/relationships" xmlns:p="http://schemas.openxmlformats.org/presentationml/2006/main">
+  <p:cSld>
+    <p:spTree>
+      <p:nvGrpSpPr>
+        <p:cNvPr id="1" name=""/>
+        <p:cNvGrpSpPr/>
+        <p:nvPr/>
+      </p:nvGrpSpPr>
+      <p:grpSpPr>
+        <a:xfrm>
+          <a:off x="0" y="0"/>
+          <a:ext cx="0" cy="0"/>
+          <a:chOff x="0" y="0"/>
+          <a:chExt cx="0" cy="0"/>
+        </a:xfrm>
+      </p:grpSpPr>
+      <p:graphicFrame>
+        <p:nvGraphicFramePr>
+          <p:cNvPr id="5" name="Таблица 4">
+            <a:extLst>
+              <a:ext uri="{FF2B5EF4-FFF2-40B4-BE49-F238E27FC236}">
+                <a16:creationId xmlns:a16="http://schemas.microsoft.com/office/drawing/2014/main" id="{FED17E87-0813-49F2-BFE9-2E652D603FC0}"/>
+              </a:ext>
+            </a:extLst>
+          </p:cNvPr>
+          <p:cNvGraphicFramePr>
+            <a:graphicFrameLocks noGrp="1"/>
+          </p:cNvGraphicFramePr>
+          <p:nvPr>
+            <p:extLst>
+              <p:ext uri="{D42A27DB-BD31-4B8C-83A1-F6EECF244321}">
+                <p14:modId xmlns:p14="http://schemas.microsoft.com/office/powerpoint/2010/main" val="3961959391"/>
+              </p:ext>
+            </p:extLst>
+          </p:nvPr>
+        </p:nvGraphicFramePr>
+        <p:xfrm>
+          <a:off x="176731" y="1871222"/>
+          <a:ext cx="5704305" cy="4232086"/>
+        </p:xfrm>
+        <a:graphic>
+          <a:graphicData uri="http://schemas.openxmlformats.org/drawingml/2006/table">
+            <a:tbl>
+              <a:tblPr firstRow="1" firstCol="1" bandRow="1">
+                <a:tableStyleId>{5C22544A-7EE6-4342-B048-85BDC9FD1C3A}</a:tableStyleId>
+              </a:tblPr>
+              <a:tblGrid>
+                <a:gridCol w="2550945">
+                  <a:extLst>
+                    <a:ext uri="{9D8B030D-6E8A-4147-A177-3AD203B41FA5}">
+                      <a16:colId xmlns:a16="http://schemas.microsoft.com/office/drawing/2014/main" val="4024924387"/>
+                    </a:ext>
+                  </a:extLst>
+                </a:gridCol>
+                <a:gridCol w="3153360">
+                  <a:extLst>
+                    <a:ext uri="{9D8B030D-6E8A-4147-A177-3AD203B41FA5}">
+                      <a16:colId xmlns:a16="http://schemas.microsoft.com/office/drawing/2014/main" val="2634764905"/>
+                    </a:ext>
+                  </a:extLst>
+                </a:gridCol>
+              </a:tblGrid>
+              <a:tr h="256023">
+                <a:tc>
+                  <a:txBody>
+                    <a:bodyPr/>
+                    <a:lstStyle/>
+                    <a:p>
+                      <a:pPr indent="450215" algn="l">
+                        <a:lnSpc>
+                          <a:spcPct val="150000"/>
+                        </a:lnSpc>
+                        <a:spcAft>
+                          <a:spcPts val="0"/>
+                        </a:spcAft>
+                      </a:pPr>
+                      <a:r>
+                        <a:rPr lang="en-US" sz="1400" dirty="0" err="1">
+                          <a:effectLst/>
+                        </a:rPr>
+                        <a:t>Значения</a:t>
+                      </a:r>
+                      <a:r>
+                        <a:rPr lang="en-US" sz="1400" dirty="0">
+                          <a:effectLst/>
+                        </a:rPr>
+                        <a:t> </a:t>
+                      </a:r>
+                      <a:r>
+                        <a:rPr lang="en-US" sz="1400" dirty="0" err="1">
+                          <a:effectLst/>
+                        </a:rPr>
+                        <a:t>полей</a:t>
+                      </a:r>
+                      <a:r>
+                        <a:rPr lang="en-US" sz="1400" dirty="0">
+                          <a:effectLst/>
+                        </a:rPr>
+                        <a:t> </a:t>
+                      </a:r>
+                      <a:r>
+                        <a:rPr lang="en-US" sz="1400" dirty="0" err="1">
+                          <a:effectLst/>
+                        </a:rPr>
+                        <a:t>формы</a:t>
+                      </a:r>
+                      <a:r>
+                        <a:rPr lang="en-US" sz="1400" dirty="0">
+                          <a:effectLst/>
+                        </a:rPr>
+                        <a:t>:</a:t>
+                      </a:r>
+                      <a:endParaRPr lang="ru-RU" sz="1400" dirty="0">
+                        <a:effectLst/>
+                        <a:latin typeface="Times New Roman" panose="02020603050405020304" pitchFamily="18" charset="0"/>
+                        <a:ea typeface="Calibri" panose="020F0502020204030204" pitchFamily="34" charset="0"/>
+                        <a:cs typeface="Times New Roman" panose="02020603050405020304" pitchFamily="18" charset="0"/>
+                      </a:endParaRPr>
+                    </a:p>
+                  </a:txBody>
+                  <a:tcPr marL="68580" marR="68580" marT="0" marB="0"/>
+                </a:tc>
+                <a:tc>
+                  <a:txBody>
+                    <a:bodyPr/>
+                    <a:lstStyle/>
+                    <a:p>
+                      <a:pPr indent="450215" algn="l">
+                        <a:lnSpc>
+                          <a:spcPct val="150000"/>
+                        </a:lnSpc>
+                        <a:spcAft>
+                          <a:spcPts val="0"/>
+                        </a:spcAft>
+                      </a:pPr>
+                      <a:r>
+                        <a:rPr lang="en-US" sz="1400" dirty="0" err="1">
+                          <a:effectLst/>
+                        </a:rPr>
+                        <a:t>Тест</a:t>
+                      </a:r>
+                      <a:r>
+                        <a:rPr lang="en-US" sz="1400" dirty="0">
+                          <a:effectLst/>
+                        </a:rPr>
+                        <a:t> 3</a:t>
+                      </a:r>
+                      <a:endParaRPr lang="ru-RU" sz="1400" dirty="0">
+                        <a:effectLst/>
+                        <a:latin typeface="Times New Roman" panose="02020603050405020304" pitchFamily="18" charset="0"/>
+                        <a:ea typeface="Calibri" panose="020F0502020204030204" pitchFamily="34" charset="0"/>
+                        <a:cs typeface="Times New Roman" panose="02020603050405020304" pitchFamily="18" charset="0"/>
+                      </a:endParaRPr>
+                    </a:p>
+                  </a:txBody>
+                  <a:tcPr marL="68580" marR="68580" marT="0" marB="0"/>
+                </a:tc>
+                <a:extLst>
+                  <a:ext uri="{0D108BD9-81ED-4DB2-BD59-A6C34878D82A}">
+                    <a16:rowId xmlns:a16="http://schemas.microsoft.com/office/drawing/2014/main" val="1185790568"/>
+                  </a:ext>
+                </a:extLst>
+              </a:tr>
+              <a:tr h="256023">
+                <a:tc>
+                  <a:txBody>
+                    <a:bodyPr/>
+                    <a:lstStyle/>
+                    <a:p>
+                      <a:pPr indent="450215" algn="l">
+                        <a:lnSpc>
+                          <a:spcPct val="150000"/>
+                        </a:lnSpc>
+                        <a:spcAft>
+                          <a:spcPts val="0"/>
+                        </a:spcAft>
+                      </a:pPr>
+                      <a:r>
+                        <a:rPr lang="en-US" sz="1400">
+                          <a:effectLst/>
+                        </a:rPr>
+                        <a:t>Name</a:t>
+                      </a:r>
+                      <a:endParaRPr lang="ru-RU" sz="1400">
+                        <a:effectLst/>
+                        <a:latin typeface="Times New Roman" panose="02020603050405020304" pitchFamily="18" charset="0"/>
+                        <a:ea typeface="Calibri" panose="020F0502020204030204" pitchFamily="34" charset="0"/>
+                        <a:cs typeface="Times New Roman" panose="02020603050405020304" pitchFamily="18" charset="0"/>
+                      </a:endParaRPr>
+                    </a:p>
+                  </a:txBody>
+                  <a:tcPr marL="68580" marR="68580" marT="0" marB="0"/>
+                </a:tc>
+                <a:tc>
+                  <a:txBody>
+                    <a:bodyPr/>
+                    <a:lstStyle/>
+                    <a:p>
+                      <a:pPr indent="450215" algn="l">
+                        <a:lnSpc>
+                          <a:spcPct val="150000"/>
+                        </a:lnSpc>
+                        <a:spcAft>
+                          <a:spcPts val="0"/>
+                        </a:spcAft>
+                      </a:pPr>
+                      <a:r>
+                        <a:rPr lang="en-US" sz="1400">
+                          <a:effectLst/>
+                        </a:rPr>
+                        <a:t>фва12</a:t>
+                      </a:r>
+                      <a:endParaRPr lang="ru-RU" sz="1400">
+                        <a:effectLst/>
+                        <a:latin typeface="Times New Roman" panose="02020603050405020304" pitchFamily="18" charset="0"/>
+                        <a:ea typeface="Calibri" panose="020F0502020204030204" pitchFamily="34" charset="0"/>
+                        <a:cs typeface="Times New Roman" panose="02020603050405020304" pitchFamily="18" charset="0"/>
+                      </a:endParaRPr>
+                    </a:p>
+                  </a:txBody>
+                  <a:tcPr marL="68580" marR="68580" marT="0" marB="0"/>
+                </a:tc>
+                <a:extLst>
+                  <a:ext uri="{0D108BD9-81ED-4DB2-BD59-A6C34878D82A}">
+                    <a16:rowId xmlns:a16="http://schemas.microsoft.com/office/drawing/2014/main" val="3929635422"/>
+                  </a:ext>
+                </a:extLst>
+              </a:tr>
+              <a:tr h="256023">
+                <a:tc>
+                  <a:txBody>
+                    <a:bodyPr/>
+                    <a:lstStyle/>
+                    <a:p>
+                      <a:pPr indent="450215" algn="l">
+                        <a:lnSpc>
+                          <a:spcPct val="150000"/>
+                        </a:lnSpc>
+                        <a:spcAft>
+                          <a:spcPts val="0"/>
+                        </a:spcAft>
+                      </a:pPr>
+                      <a:r>
+                        <a:rPr lang="en-US" sz="1400">
+                          <a:effectLst/>
+                        </a:rPr>
+                        <a:t>Username</a:t>
+                      </a:r>
+                      <a:endParaRPr lang="ru-RU" sz="1400">
+                        <a:effectLst/>
+                        <a:latin typeface="Times New Roman" panose="02020603050405020304" pitchFamily="18" charset="0"/>
+                        <a:ea typeface="Calibri" panose="020F0502020204030204" pitchFamily="34" charset="0"/>
+                        <a:cs typeface="Times New Roman" panose="02020603050405020304" pitchFamily="18" charset="0"/>
+                      </a:endParaRPr>
+                    </a:p>
+                  </a:txBody>
+                  <a:tcPr marL="68580" marR="68580" marT="0" marB="0"/>
+                </a:tc>
+                <a:tc>
+                  <a:txBody>
+                    <a:bodyPr/>
+                    <a:lstStyle/>
+                    <a:p>
+                      <a:pPr indent="450215" algn="l">
+                        <a:lnSpc>
+                          <a:spcPct val="150000"/>
+                        </a:lnSpc>
+                        <a:spcAft>
+                          <a:spcPts val="0"/>
+                        </a:spcAft>
+                      </a:pPr>
+                      <a:r>
+                        <a:rPr lang="en-US" sz="1400">
+                          <a:effectLst/>
+                        </a:rPr>
+                        <a:t>znatok</a:t>
+                      </a:r>
+                      <a:endParaRPr lang="ru-RU" sz="1400">
+                        <a:effectLst/>
+                        <a:latin typeface="Times New Roman" panose="02020603050405020304" pitchFamily="18" charset="0"/>
+                        <a:ea typeface="Calibri" panose="020F0502020204030204" pitchFamily="34" charset="0"/>
+                        <a:cs typeface="Times New Roman" panose="02020603050405020304" pitchFamily="18" charset="0"/>
+                      </a:endParaRPr>
+                    </a:p>
+                  </a:txBody>
+                  <a:tcPr marL="68580" marR="68580" marT="0" marB="0"/>
+                </a:tc>
+                <a:extLst>
+                  <a:ext uri="{0D108BD9-81ED-4DB2-BD59-A6C34878D82A}">
+                    <a16:rowId xmlns:a16="http://schemas.microsoft.com/office/drawing/2014/main" val="3004464623"/>
+                  </a:ext>
+                </a:extLst>
+              </a:tr>
+              <a:tr h="256023">
+                <a:tc>
+                  <a:txBody>
+                    <a:bodyPr/>
+                    <a:lstStyle/>
+                    <a:p>
+                      <a:pPr indent="450215" algn="l">
+                        <a:lnSpc>
+                          <a:spcPct val="150000"/>
+                        </a:lnSpc>
+                        <a:spcAft>
+                          <a:spcPts val="0"/>
+                        </a:spcAft>
+                      </a:pPr>
+                      <a:r>
+                        <a:rPr lang="en-US" sz="1400">
+                          <a:effectLst/>
+                        </a:rPr>
+                        <a:t>Password</a:t>
+                      </a:r>
+                      <a:endParaRPr lang="ru-RU" sz="1400">
+                        <a:effectLst/>
+                        <a:latin typeface="Times New Roman" panose="02020603050405020304" pitchFamily="18" charset="0"/>
+                        <a:ea typeface="Calibri" panose="020F0502020204030204" pitchFamily="34" charset="0"/>
+                        <a:cs typeface="Times New Roman" panose="02020603050405020304" pitchFamily="18" charset="0"/>
+                      </a:endParaRPr>
+                    </a:p>
+                  </a:txBody>
+                  <a:tcPr marL="68580" marR="68580" marT="0" marB="0"/>
+                </a:tc>
+                <a:tc>
+                  <a:txBody>
+                    <a:bodyPr/>
+                    <a:lstStyle/>
+                    <a:p>
+                      <a:pPr indent="450215" algn="l">
+                        <a:lnSpc>
+                          <a:spcPct val="150000"/>
+                        </a:lnSpc>
+                        <a:spcAft>
+                          <a:spcPts val="0"/>
+                        </a:spcAft>
+                      </a:pPr>
+                      <a:r>
+                        <a:rPr lang="en-US" sz="1400">
+                          <a:effectLst/>
+                        </a:rPr>
+                        <a:t>pas123!L</a:t>
+                      </a:r>
+                      <a:endParaRPr lang="ru-RU" sz="1400">
+                        <a:effectLst/>
+                        <a:latin typeface="Times New Roman" panose="02020603050405020304" pitchFamily="18" charset="0"/>
+                        <a:ea typeface="Calibri" panose="020F0502020204030204" pitchFamily="34" charset="0"/>
+                        <a:cs typeface="Times New Roman" panose="02020603050405020304" pitchFamily="18" charset="0"/>
+                      </a:endParaRPr>
+                    </a:p>
+                  </a:txBody>
+                  <a:tcPr marL="68580" marR="68580" marT="0" marB="0"/>
+                </a:tc>
+                <a:extLst>
+                  <a:ext uri="{0D108BD9-81ED-4DB2-BD59-A6C34878D82A}">
+                    <a16:rowId xmlns:a16="http://schemas.microsoft.com/office/drawing/2014/main" val="681690837"/>
+                  </a:ext>
+                </a:extLst>
+              </a:tr>
+              <a:tr h="256023">
+                <a:tc>
+                  <a:txBody>
+                    <a:bodyPr/>
+                    <a:lstStyle/>
+                    <a:p>
+                      <a:pPr indent="450215" algn="l">
+                        <a:lnSpc>
+                          <a:spcPct val="150000"/>
+                        </a:lnSpc>
+                        <a:spcAft>
+                          <a:spcPts val="0"/>
+                        </a:spcAft>
+                      </a:pPr>
+                      <a:r>
+                        <a:rPr lang="en-US" sz="1400">
+                          <a:effectLst/>
+                        </a:rPr>
+                        <a:t>Confirm password</a:t>
+                      </a:r>
+                      <a:endParaRPr lang="ru-RU" sz="1400">
+                        <a:effectLst/>
+                        <a:latin typeface="Times New Roman" panose="02020603050405020304" pitchFamily="18" charset="0"/>
+                        <a:ea typeface="Calibri" panose="020F0502020204030204" pitchFamily="34" charset="0"/>
+                        <a:cs typeface="Times New Roman" panose="02020603050405020304" pitchFamily="18" charset="0"/>
+                      </a:endParaRPr>
+                    </a:p>
+                  </a:txBody>
+                  <a:tcPr marL="68580" marR="68580" marT="0" marB="0"/>
+                </a:tc>
+                <a:tc>
+                  <a:txBody>
+                    <a:bodyPr/>
+                    <a:lstStyle/>
+                    <a:p>
+                      <a:pPr indent="450215" algn="l">
+                        <a:lnSpc>
+                          <a:spcPct val="150000"/>
+                        </a:lnSpc>
+                        <a:spcAft>
+                          <a:spcPts val="0"/>
+                        </a:spcAft>
+                      </a:pPr>
+                      <a:r>
+                        <a:rPr lang="en-US" sz="1400">
+                          <a:effectLst/>
+                        </a:rPr>
+                        <a:t>pas123!L</a:t>
+                      </a:r>
+                      <a:endParaRPr lang="ru-RU" sz="1400">
+                        <a:effectLst/>
+                        <a:latin typeface="Times New Roman" panose="02020603050405020304" pitchFamily="18" charset="0"/>
+                        <a:ea typeface="Calibri" panose="020F0502020204030204" pitchFamily="34" charset="0"/>
+                        <a:cs typeface="Times New Roman" panose="02020603050405020304" pitchFamily="18" charset="0"/>
+                      </a:endParaRPr>
+                    </a:p>
+                  </a:txBody>
+                  <a:tcPr marL="68580" marR="68580" marT="0" marB="0"/>
+                </a:tc>
+                <a:extLst>
+                  <a:ext uri="{0D108BD9-81ED-4DB2-BD59-A6C34878D82A}">
+                    <a16:rowId xmlns:a16="http://schemas.microsoft.com/office/drawing/2014/main" val="135972065"/>
+                  </a:ext>
+                </a:extLst>
+              </a:tr>
+              <a:tr h="256023">
+                <a:tc>
+                  <a:txBody>
+                    <a:bodyPr/>
+                    <a:lstStyle/>
+                    <a:p>
+                      <a:pPr indent="450215" algn="l">
+                        <a:lnSpc>
+                          <a:spcPct val="150000"/>
+                        </a:lnSpc>
+                        <a:spcAft>
+                          <a:spcPts val="0"/>
+                        </a:spcAft>
+                      </a:pPr>
+                      <a:r>
+                        <a:rPr lang="en-US" sz="1400">
+                          <a:effectLst/>
+                        </a:rPr>
+                        <a:t>pictureBox1</a:t>
+                      </a:r>
+                      <a:endParaRPr lang="ru-RU" sz="1400">
+                        <a:effectLst/>
+                        <a:latin typeface="Times New Roman" panose="02020603050405020304" pitchFamily="18" charset="0"/>
+                        <a:ea typeface="Calibri" panose="020F0502020204030204" pitchFamily="34" charset="0"/>
+                        <a:cs typeface="Times New Roman" panose="02020603050405020304" pitchFamily="18" charset="0"/>
+                      </a:endParaRPr>
+                    </a:p>
+                  </a:txBody>
+                  <a:tcPr marL="68580" marR="68580" marT="0" marB="0"/>
+                </a:tc>
+                <a:tc>
+                  <a:txBody>
+                    <a:bodyPr/>
+                    <a:lstStyle/>
+                    <a:p>
+                      <a:pPr indent="450215" algn="l">
+                        <a:lnSpc>
+                          <a:spcPct val="150000"/>
+                        </a:lnSpc>
+                        <a:spcAft>
+                          <a:spcPts val="0"/>
+                        </a:spcAft>
+                      </a:pPr>
+                      <a:r>
+                        <a:rPr lang="en-US" sz="1400">
+                          <a:effectLst/>
+                        </a:rPr>
+                        <a:t> </a:t>
+                      </a:r>
+                      <a:endParaRPr lang="ru-RU" sz="1400">
+                        <a:effectLst/>
+                        <a:latin typeface="Times New Roman" panose="02020603050405020304" pitchFamily="18" charset="0"/>
+                        <a:ea typeface="Calibri" panose="020F0502020204030204" pitchFamily="34" charset="0"/>
+                        <a:cs typeface="Times New Roman" panose="02020603050405020304" pitchFamily="18" charset="0"/>
+                      </a:endParaRPr>
+                    </a:p>
+                  </a:txBody>
+                  <a:tcPr marL="68580" marR="68580" marT="0" marB="0"/>
+                </a:tc>
+                <a:extLst>
+                  <a:ext uri="{0D108BD9-81ED-4DB2-BD59-A6C34878D82A}">
+                    <a16:rowId xmlns:a16="http://schemas.microsoft.com/office/drawing/2014/main" val="1354400025"/>
+                  </a:ext>
+                </a:extLst>
+              </a:tr>
+              <a:tr h="349820">
+                <a:tc>
+                  <a:txBody>
+                    <a:bodyPr/>
+                    <a:lstStyle/>
+                    <a:p>
+                      <a:pPr indent="450215" algn="l">
+                        <a:lnSpc>
+                          <a:spcPct val="150000"/>
+                        </a:lnSpc>
+                        <a:spcAft>
+                          <a:spcPts val="0"/>
+                        </a:spcAft>
+                      </a:pPr>
+                      <a:r>
+                        <a:rPr lang="en-US" sz="1400">
+                          <a:effectLst/>
+                        </a:rPr>
+                        <a:t>Действие</a:t>
+                      </a:r>
+                      <a:endParaRPr lang="ru-RU" sz="1400">
+                        <a:effectLst/>
+                        <a:latin typeface="Times New Roman" panose="02020603050405020304" pitchFamily="18" charset="0"/>
+                        <a:ea typeface="Calibri" panose="020F0502020204030204" pitchFamily="34" charset="0"/>
+                        <a:cs typeface="Times New Roman" panose="02020603050405020304" pitchFamily="18" charset="0"/>
+                      </a:endParaRPr>
+                    </a:p>
+                  </a:txBody>
+                  <a:tcPr marL="68580" marR="68580" marT="0" marB="0"/>
+                </a:tc>
+                <a:tc>
+                  <a:txBody>
+                    <a:bodyPr/>
+                    <a:lstStyle/>
+                    <a:p>
+                      <a:pPr indent="450215" algn="l">
+                        <a:lnSpc>
+                          <a:spcPct val="150000"/>
+                        </a:lnSpc>
+                        <a:spcAft>
+                          <a:spcPts val="0"/>
+                        </a:spcAft>
+                      </a:pPr>
+                      <a:r>
+                        <a:rPr lang="en-US" sz="1400">
+                          <a:effectLst/>
+                        </a:rPr>
+                        <a:t>Нажата кнопка "Register"</a:t>
+                      </a:r>
+                      <a:endParaRPr lang="ru-RU" sz="1400">
+                        <a:effectLst/>
+                        <a:latin typeface="Times New Roman" panose="02020603050405020304" pitchFamily="18" charset="0"/>
+                        <a:ea typeface="Calibri" panose="020F0502020204030204" pitchFamily="34" charset="0"/>
+                        <a:cs typeface="Times New Roman" panose="02020603050405020304" pitchFamily="18" charset="0"/>
+                      </a:endParaRPr>
+                    </a:p>
+                  </a:txBody>
+                  <a:tcPr marL="68580" marR="68580" marT="0" marB="0"/>
+                </a:tc>
+                <a:extLst>
+                  <a:ext uri="{0D108BD9-81ED-4DB2-BD59-A6C34878D82A}">
+                    <a16:rowId xmlns:a16="http://schemas.microsoft.com/office/drawing/2014/main" val="3670687496"/>
+                  </a:ext>
+                </a:extLst>
+              </a:tr>
+              <a:tr h="1116069">
+                <a:tc>
+                  <a:txBody>
+                    <a:bodyPr/>
+                    <a:lstStyle/>
+                    <a:p>
+                      <a:pPr indent="450215" algn="l">
+                        <a:lnSpc>
+                          <a:spcPct val="150000"/>
+                        </a:lnSpc>
+                        <a:spcAft>
+                          <a:spcPts val="0"/>
+                        </a:spcAft>
+                      </a:pPr>
+                      <a:r>
+                        <a:rPr lang="en-US" sz="1400">
+                          <a:effectLst/>
+                        </a:rPr>
+                        <a:t>Ожидаемый результат</a:t>
+                      </a:r>
+                      <a:endParaRPr lang="ru-RU" sz="1400">
+                        <a:effectLst/>
+                        <a:latin typeface="Times New Roman" panose="02020603050405020304" pitchFamily="18" charset="0"/>
+                        <a:ea typeface="Calibri" panose="020F0502020204030204" pitchFamily="34" charset="0"/>
+                        <a:cs typeface="Times New Roman" panose="02020603050405020304" pitchFamily="18" charset="0"/>
+                      </a:endParaRPr>
+                    </a:p>
+                  </a:txBody>
+                  <a:tcPr marL="68580" marR="68580" marT="0" marB="0"/>
+                </a:tc>
+                <a:tc>
+                  <a:txBody>
+                    <a:bodyPr/>
+                    <a:lstStyle/>
+                    <a:p>
+                      <a:pPr indent="450215" algn="l">
+                        <a:lnSpc>
+                          <a:spcPct val="150000"/>
+                        </a:lnSpc>
+                        <a:spcAft>
+                          <a:spcPts val="0"/>
+                        </a:spcAft>
+                      </a:pPr>
+                      <a:r>
+                        <a:rPr lang="ru-RU" sz="1400">
+                          <a:effectLst/>
+                        </a:rPr>
+                        <a:t>Горит помогающие окно с надписью</a:t>
+                      </a:r>
+                      <a:r>
+                        <a:rPr lang="en-US" sz="1400">
+                          <a:effectLst/>
+                        </a:rPr>
+                        <a:t> «Your name can contain only letters». </a:t>
+                      </a:r>
+                      <a:r>
+                        <a:rPr lang="ru-RU" sz="1400">
+                          <a:effectLst/>
+                        </a:rPr>
+                        <a:t>Появляется окно с надписью </a:t>
+                      </a:r>
+                      <a:r>
+                        <a:rPr lang="en-US" sz="1400">
+                          <a:effectLst/>
+                        </a:rPr>
+                        <a:t>«Enter all the fields correctly!»</a:t>
+                      </a:r>
+                      <a:endParaRPr lang="ru-RU" sz="1400">
+                        <a:effectLst/>
+                        <a:latin typeface="Times New Roman" panose="02020603050405020304" pitchFamily="18" charset="0"/>
+                        <a:ea typeface="Calibri" panose="020F0502020204030204" pitchFamily="34" charset="0"/>
+                        <a:cs typeface="Times New Roman" panose="02020603050405020304" pitchFamily="18" charset="0"/>
+                      </a:endParaRPr>
+                    </a:p>
+                  </a:txBody>
+                  <a:tcPr marL="68580" marR="68580" marT="0" marB="0"/>
+                </a:tc>
+                <a:extLst>
+                  <a:ext uri="{0D108BD9-81ED-4DB2-BD59-A6C34878D82A}">
+                    <a16:rowId xmlns:a16="http://schemas.microsoft.com/office/drawing/2014/main" val="1701388258"/>
+                  </a:ext>
+                </a:extLst>
+              </a:tr>
+              <a:tr h="256023">
+                <a:tc>
+                  <a:txBody>
+                    <a:bodyPr/>
+                    <a:lstStyle/>
+                    <a:p>
+                      <a:pPr indent="450215" algn="l">
+                        <a:lnSpc>
+                          <a:spcPct val="150000"/>
+                        </a:lnSpc>
+                        <a:spcAft>
+                          <a:spcPts val="0"/>
+                        </a:spcAft>
+                      </a:pPr>
+                      <a:r>
+                        <a:rPr lang="en-US" sz="1400">
+                          <a:effectLst/>
+                        </a:rPr>
+                        <a:t> </a:t>
+                      </a:r>
+                      <a:endParaRPr lang="ru-RU" sz="1400">
+                        <a:effectLst/>
+                        <a:latin typeface="Times New Roman" panose="02020603050405020304" pitchFamily="18" charset="0"/>
+                        <a:ea typeface="Calibri" panose="020F0502020204030204" pitchFamily="34" charset="0"/>
+                        <a:cs typeface="Times New Roman" panose="02020603050405020304" pitchFamily="18" charset="0"/>
+                      </a:endParaRPr>
+                    </a:p>
+                  </a:txBody>
+                  <a:tcPr marL="68580" marR="68580" marT="0" marB="0"/>
+                </a:tc>
+                <a:tc>
+                  <a:txBody>
+                    <a:bodyPr/>
+                    <a:lstStyle/>
+                    <a:p>
+                      <a:pPr>
+                        <a:lnSpc>
+                          <a:spcPct val="107000"/>
+                        </a:lnSpc>
+                      </a:pPr>
+                      <a:endParaRPr lang="ru-RU" sz="1100">
+                        <a:effectLst/>
+                        <a:latin typeface="Calibri" panose="020F0502020204030204" pitchFamily="34" charset="0"/>
+                        <a:cs typeface="Times New Roman" panose="02020603050405020304" pitchFamily="18" charset="0"/>
+                      </a:endParaRPr>
+                    </a:p>
+                  </a:txBody>
+                  <a:tcPr marL="68580" marR="68580" marT="0" marB="0"/>
+                </a:tc>
+                <a:extLst>
+                  <a:ext uri="{0D108BD9-81ED-4DB2-BD59-A6C34878D82A}">
+                    <a16:rowId xmlns:a16="http://schemas.microsoft.com/office/drawing/2014/main" val="452173498"/>
+                  </a:ext>
+                </a:extLst>
+              </a:tr>
+              <a:tr h="264498">
+                <a:tc>
+                  <a:txBody>
+                    <a:bodyPr/>
+                    <a:lstStyle/>
+                    <a:p>
+                      <a:pPr indent="450215" algn="l">
+                        <a:lnSpc>
+                          <a:spcPct val="150000"/>
+                        </a:lnSpc>
+                        <a:spcAft>
+                          <a:spcPts val="0"/>
+                        </a:spcAft>
+                      </a:pPr>
+                      <a:r>
+                        <a:rPr lang="en-US" sz="1400">
+                          <a:effectLst/>
+                        </a:rPr>
+                        <a:t>Результат тестирования</a:t>
+                      </a:r>
+                      <a:endParaRPr lang="ru-RU" sz="1400">
+                        <a:effectLst/>
+                        <a:latin typeface="Times New Roman" panose="02020603050405020304" pitchFamily="18" charset="0"/>
+                        <a:ea typeface="Calibri" panose="020F0502020204030204" pitchFamily="34" charset="0"/>
+                        <a:cs typeface="Times New Roman" panose="02020603050405020304" pitchFamily="18" charset="0"/>
+                      </a:endParaRPr>
+                    </a:p>
+                  </a:txBody>
+                  <a:tcPr marL="68580" marR="68580" marT="0" marB="0"/>
+                </a:tc>
+                <a:tc>
+                  <a:txBody>
+                    <a:bodyPr/>
+                    <a:lstStyle/>
+                    <a:p>
+                      <a:pPr indent="450215" algn="l">
+                        <a:lnSpc>
+                          <a:spcPct val="150000"/>
+                        </a:lnSpc>
+                        <a:spcAft>
+                          <a:spcPts val="0"/>
+                        </a:spcAft>
+                      </a:pPr>
+                      <a:r>
+                        <a:rPr lang="en-US" sz="1400">
+                          <a:effectLst/>
+                        </a:rPr>
+                        <a:t>+</a:t>
+                      </a:r>
+                      <a:endParaRPr lang="ru-RU" sz="1400">
+                        <a:effectLst/>
+                        <a:latin typeface="Times New Roman" panose="02020603050405020304" pitchFamily="18" charset="0"/>
+                        <a:ea typeface="Calibri" panose="020F0502020204030204" pitchFamily="34" charset="0"/>
+                        <a:cs typeface="Times New Roman" panose="02020603050405020304" pitchFamily="18" charset="0"/>
+                      </a:endParaRPr>
+                    </a:p>
+                  </a:txBody>
+                  <a:tcPr marL="68580" marR="68580" marT="0" marB="0"/>
+                </a:tc>
+                <a:extLst>
+                  <a:ext uri="{0D108BD9-81ED-4DB2-BD59-A6C34878D82A}">
+                    <a16:rowId xmlns:a16="http://schemas.microsoft.com/office/drawing/2014/main" val="2164489392"/>
+                  </a:ext>
+                </a:extLst>
+              </a:tr>
+              <a:tr h="349820">
+                <a:tc>
+                  <a:txBody>
+                    <a:bodyPr/>
+                    <a:lstStyle/>
+                    <a:p>
+                      <a:pPr indent="450215" algn="l">
+                        <a:lnSpc>
+                          <a:spcPct val="150000"/>
+                        </a:lnSpc>
+                        <a:spcAft>
+                          <a:spcPts val="0"/>
+                        </a:spcAft>
+                      </a:pPr>
+                      <a:r>
+                        <a:rPr lang="en-US" sz="1400">
+                          <a:effectLst/>
+                        </a:rPr>
+                        <a:t>Описание результата</a:t>
+                      </a:r>
+                      <a:endParaRPr lang="ru-RU" sz="1400">
+                        <a:effectLst/>
+                        <a:latin typeface="Times New Roman" panose="02020603050405020304" pitchFamily="18" charset="0"/>
+                        <a:ea typeface="Calibri" panose="020F0502020204030204" pitchFamily="34" charset="0"/>
+                        <a:cs typeface="Times New Roman" panose="02020603050405020304" pitchFamily="18" charset="0"/>
+                      </a:endParaRPr>
+                    </a:p>
+                  </a:txBody>
+                  <a:tcPr marL="68580" marR="68580" marT="0" marB="0"/>
+                </a:tc>
+                <a:tc>
+                  <a:txBody>
+                    <a:bodyPr/>
+                    <a:lstStyle/>
+                    <a:p>
+                      <a:pPr>
+                        <a:lnSpc>
+                          <a:spcPct val="107000"/>
+                        </a:lnSpc>
+                      </a:pPr>
+                      <a:endParaRPr lang="ru-RU" sz="1100" dirty="0">
+                        <a:effectLst/>
+                        <a:latin typeface="Calibri" panose="020F0502020204030204" pitchFamily="34" charset="0"/>
+                        <a:cs typeface="Times New Roman" panose="02020603050405020304" pitchFamily="18" charset="0"/>
+                      </a:endParaRPr>
+                    </a:p>
+                  </a:txBody>
+                  <a:tcPr marL="68580" marR="68580" marT="0" marB="0"/>
+                </a:tc>
+                <a:extLst>
+                  <a:ext uri="{0D108BD9-81ED-4DB2-BD59-A6C34878D82A}">
+                    <a16:rowId xmlns:a16="http://schemas.microsoft.com/office/drawing/2014/main" val="3869339038"/>
+                  </a:ext>
+                </a:extLst>
+              </a:tr>
+            </a:tbl>
+          </a:graphicData>
+        </a:graphic>
+      </p:graphicFrame>
+      <p:graphicFrame>
+        <p:nvGraphicFramePr>
+          <p:cNvPr id="6" name="Таблица 5">
+            <a:extLst>
+              <a:ext uri="{FF2B5EF4-FFF2-40B4-BE49-F238E27FC236}">
+                <a16:creationId xmlns:a16="http://schemas.microsoft.com/office/drawing/2014/main" id="{75442E91-422E-43AA-A9CE-E40DBD508E4E}"/>
+              </a:ext>
+            </a:extLst>
+          </p:cNvPr>
+          <p:cNvGraphicFramePr>
+            <a:graphicFrameLocks noGrp="1"/>
+          </p:cNvGraphicFramePr>
+          <p:nvPr>
+            <p:extLst>
+              <p:ext uri="{D42A27DB-BD31-4B8C-83A1-F6EECF244321}">
+                <p14:modId xmlns:p14="http://schemas.microsoft.com/office/powerpoint/2010/main" val="323915910"/>
+              </p:ext>
+            </p:extLst>
+          </p:nvPr>
+        </p:nvGraphicFramePr>
+        <p:xfrm>
+          <a:off x="5990389" y="2288733"/>
+          <a:ext cx="6024880" cy="3397063"/>
+        </p:xfrm>
+        <a:graphic>
+          <a:graphicData uri="http://schemas.openxmlformats.org/drawingml/2006/table">
+            <a:tbl>
+              <a:tblPr firstRow="1" firstCol="1" bandRow="1">
+                <a:tableStyleId>{5C22544A-7EE6-4342-B048-85BDC9FD1C3A}</a:tableStyleId>
+              </a:tblPr>
+              <a:tblGrid>
+                <a:gridCol w="2694305">
+                  <a:extLst>
+                    <a:ext uri="{9D8B030D-6E8A-4147-A177-3AD203B41FA5}">
+                      <a16:colId xmlns:a16="http://schemas.microsoft.com/office/drawing/2014/main" val="827847214"/>
+                    </a:ext>
+                  </a:extLst>
+                </a:gridCol>
+                <a:gridCol w="3330575">
+                  <a:extLst>
+                    <a:ext uri="{9D8B030D-6E8A-4147-A177-3AD203B41FA5}">
+                      <a16:colId xmlns:a16="http://schemas.microsoft.com/office/drawing/2014/main" val="3425852440"/>
+                    </a:ext>
+                  </a:extLst>
+                </a:gridCol>
+              </a:tblGrid>
+              <a:tr h="200025">
+                <a:tc>
+                  <a:txBody>
+                    <a:bodyPr/>
+                    <a:lstStyle/>
+                    <a:p>
+                      <a:pPr indent="450215" algn="l">
+                        <a:lnSpc>
+                          <a:spcPct val="150000"/>
+                        </a:lnSpc>
+                        <a:spcAft>
+                          <a:spcPts val="0"/>
+                        </a:spcAft>
+                      </a:pPr>
+                      <a:r>
+                        <a:rPr lang="en-US" sz="1400" dirty="0" err="1">
+                          <a:effectLst/>
+                        </a:rPr>
+                        <a:t>Значения</a:t>
+                      </a:r>
+                      <a:r>
+                        <a:rPr lang="en-US" sz="1400" dirty="0">
+                          <a:effectLst/>
+                        </a:rPr>
+                        <a:t> </a:t>
+                      </a:r>
+                      <a:r>
+                        <a:rPr lang="en-US" sz="1400" dirty="0" err="1">
+                          <a:effectLst/>
+                        </a:rPr>
+                        <a:t>полей</a:t>
+                      </a:r>
+                      <a:r>
+                        <a:rPr lang="en-US" sz="1400" dirty="0">
+                          <a:effectLst/>
+                        </a:rPr>
+                        <a:t> </a:t>
+                      </a:r>
+                      <a:r>
+                        <a:rPr lang="en-US" sz="1400" dirty="0" err="1">
+                          <a:effectLst/>
+                        </a:rPr>
+                        <a:t>формы</a:t>
+                      </a:r>
+                      <a:r>
+                        <a:rPr lang="en-US" sz="1400" dirty="0">
+                          <a:effectLst/>
+                        </a:rPr>
+                        <a:t>:</a:t>
+                      </a:r>
+                      <a:endParaRPr lang="ru-RU" sz="1400" dirty="0">
+                        <a:effectLst/>
+                        <a:latin typeface="Times New Roman" panose="02020603050405020304" pitchFamily="18" charset="0"/>
+                        <a:ea typeface="Calibri" panose="020F0502020204030204" pitchFamily="34" charset="0"/>
+                        <a:cs typeface="Times New Roman" panose="02020603050405020304" pitchFamily="18" charset="0"/>
+                      </a:endParaRPr>
+                    </a:p>
+                  </a:txBody>
+                  <a:tcPr marL="68580" marR="68580" marT="0" marB="0"/>
+                </a:tc>
+                <a:tc>
+                  <a:txBody>
+                    <a:bodyPr/>
+                    <a:lstStyle/>
+                    <a:p>
+                      <a:pPr indent="450215" algn="l">
+                        <a:lnSpc>
+                          <a:spcPct val="150000"/>
+                        </a:lnSpc>
+                        <a:spcAft>
+                          <a:spcPts val="0"/>
+                        </a:spcAft>
+                      </a:pPr>
+                      <a:r>
+                        <a:rPr lang="en-US" sz="1400">
+                          <a:effectLst/>
+                        </a:rPr>
+                        <a:t>Тест 11</a:t>
+                      </a:r>
+                      <a:endParaRPr lang="ru-RU" sz="1400">
+                        <a:effectLst/>
+                        <a:latin typeface="Times New Roman" panose="02020603050405020304" pitchFamily="18" charset="0"/>
+                        <a:ea typeface="Calibri" panose="020F0502020204030204" pitchFamily="34" charset="0"/>
+                        <a:cs typeface="Times New Roman" panose="02020603050405020304" pitchFamily="18" charset="0"/>
+                      </a:endParaRPr>
+                    </a:p>
+                  </a:txBody>
+                  <a:tcPr marL="68580" marR="68580" marT="0" marB="0"/>
+                </a:tc>
+                <a:extLst>
+                  <a:ext uri="{0D108BD9-81ED-4DB2-BD59-A6C34878D82A}">
+                    <a16:rowId xmlns:a16="http://schemas.microsoft.com/office/drawing/2014/main" val="2478533418"/>
+                  </a:ext>
+                </a:extLst>
+              </a:tr>
+              <a:tr h="190500">
+                <a:tc>
+                  <a:txBody>
+                    <a:bodyPr/>
+                    <a:lstStyle/>
+                    <a:p>
+                      <a:pPr indent="450215" algn="l">
+                        <a:lnSpc>
+                          <a:spcPct val="150000"/>
+                        </a:lnSpc>
+                        <a:spcAft>
+                          <a:spcPts val="0"/>
+                        </a:spcAft>
+                      </a:pPr>
+                      <a:r>
+                        <a:rPr lang="en-US" sz="1400">
+                          <a:effectLst/>
+                        </a:rPr>
+                        <a:t>Set test name</a:t>
+                      </a:r>
+                      <a:endParaRPr lang="ru-RU" sz="1400">
+                        <a:effectLst/>
+                        <a:latin typeface="Times New Roman" panose="02020603050405020304" pitchFamily="18" charset="0"/>
+                        <a:ea typeface="Calibri" panose="020F0502020204030204" pitchFamily="34" charset="0"/>
+                        <a:cs typeface="Times New Roman" panose="02020603050405020304" pitchFamily="18" charset="0"/>
+                      </a:endParaRPr>
+                    </a:p>
+                  </a:txBody>
+                  <a:tcPr marL="68580" marR="68580" marT="0" marB="0"/>
+                </a:tc>
+                <a:tc>
+                  <a:txBody>
+                    <a:bodyPr/>
+                    <a:lstStyle/>
+                    <a:p>
+                      <a:pPr indent="450215" algn="l">
+                        <a:lnSpc>
+                          <a:spcPct val="150000"/>
+                        </a:lnSpc>
+                        <a:spcAft>
+                          <a:spcPts val="0"/>
+                        </a:spcAft>
+                      </a:pPr>
+                      <a:r>
+                        <a:rPr lang="en-US" sz="1400">
+                          <a:effectLst/>
+                        </a:rPr>
+                        <a:t>test</a:t>
+                      </a:r>
+                      <a:endParaRPr lang="ru-RU" sz="1400">
+                        <a:effectLst/>
+                        <a:latin typeface="Times New Roman" panose="02020603050405020304" pitchFamily="18" charset="0"/>
+                        <a:ea typeface="Calibri" panose="020F0502020204030204" pitchFamily="34" charset="0"/>
+                        <a:cs typeface="Times New Roman" panose="02020603050405020304" pitchFamily="18" charset="0"/>
+                      </a:endParaRPr>
+                    </a:p>
+                  </a:txBody>
+                  <a:tcPr marL="68580" marR="68580" marT="0" marB="0"/>
+                </a:tc>
+                <a:extLst>
+                  <a:ext uri="{0D108BD9-81ED-4DB2-BD59-A6C34878D82A}">
+                    <a16:rowId xmlns:a16="http://schemas.microsoft.com/office/drawing/2014/main" val="2878362296"/>
+                  </a:ext>
+                </a:extLst>
+              </a:tr>
+              <a:tr h="190500">
+                <a:tc>
+                  <a:txBody>
+                    <a:bodyPr/>
+                    <a:lstStyle/>
+                    <a:p>
+                      <a:pPr indent="450215" algn="l">
+                        <a:lnSpc>
+                          <a:spcPct val="150000"/>
+                        </a:lnSpc>
+                        <a:spcAft>
+                          <a:spcPts val="0"/>
+                        </a:spcAft>
+                      </a:pPr>
+                      <a:r>
+                        <a:rPr lang="en-US" sz="1400">
+                          <a:effectLst/>
+                        </a:rPr>
+                        <a:t>Question field</a:t>
+                      </a:r>
+                      <a:endParaRPr lang="ru-RU" sz="1400">
+                        <a:effectLst/>
+                        <a:latin typeface="Times New Roman" panose="02020603050405020304" pitchFamily="18" charset="0"/>
+                        <a:ea typeface="Calibri" panose="020F0502020204030204" pitchFamily="34" charset="0"/>
+                        <a:cs typeface="Times New Roman" panose="02020603050405020304" pitchFamily="18" charset="0"/>
+                      </a:endParaRPr>
+                    </a:p>
+                  </a:txBody>
+                  <a:tcPr marL="68580" marR="68580" marT="0" marB="0"/>
+                </a:tc>
+                <a:tc>
+                  <a:txBody>
+                    <a:bodyPr/>
+                    <a:lstStyle/>
+                    <a:p>
+                      <a:pPr indent="450215" algn="l">
+                        <a:lnSpc>
+                          <a:spcPct val="150000"/>
+                        </a:lnSpc>
+                        <a:spcAft>
+                          <a:spcPts val="0"/>
+                        </a:spcAft>
+                      </a:pPr>
+                      <a:r>
+                        <a:rPr lang="en-US" sz="1400">
+                          <a:effectLst/>
+                        </a:rPr>
+                        <a:t>Where?</a:t>
+                      </a:r>
+                      <a:endParaRPr lang="ru-RU" sz="1400">
+                        <a:effectLst/>
+                        <a:latin typeface="Times New Roman" panose="02020603050405020304" pitchFamily="18" charset="0"/>
+                        <a:ea typeface="Calibri" panose="020F0502020204030204" pitchFamily="34" charset="0"/>
+                        <a:cs typeface="Times New Roman" panose="02020603050405020304" pitchFamily="18" charset="0"/>
+                      </a:endParaRPr>
+                    </a:p>
+                  </a:txBody>
+                  <a:tcPr marL="68580" marR="68580" marT="0" marB="0"/>
+                </a:tc>
+                <a:extLst>
+                  <a:ext uri="{0D108BD9-81ED-4DB2-BD59-A6C34878D82A}">
+                    <a16:rowId xmlns:a16="http://schemas.microsoft.com/office/drawing/2014/main" val="1365692141"/>
+                  </a:ext>
+                </a:extLst>
+              </a:tr>
+              <a:tr h="190500">
+                <a:tc>
+                  <a:txBody>
+                    <a:bodyPr/>
+                    <a:lstStyle/>
+                    <a:p>
+                      <a:pPr indent="450215" algn="l">
+                        <a:lnSpc>
+                          <a:spcPct val="150000"/>
+                        </a:lnSpc>
+                        <a:spcAft>
+                          <a:spcPts val="0"/>
+                        </a:spcAft>
+                      </a:pPr>
+                      <a:r>
+                        <a:rPr lang="en-US" sz="1400">
+                          <a:effectLst/>
+                        </a:rPr>
+                        <a:t>Possible answer</a:t>
+                      </a:r>
+                      <a:endParaRPr lang="ru-RU" sz="1400">
+                        <a:effectLst/>
+                        <a:latin typeface="Times New Roman" panose="02020603050405020304" pitchFamily="18" charset="0"/>
+                        <a:ea typeface="Calibri" panose="020F0502020204030204" pitchFamily="34" charset="0"/>
+                        <a:cs typeface="Times New Roman" panose="02020603050405020304" pitchFamily="18" charset="0"/>
+                      </a:endParaRPr>
+                    </a:p>
+                  </a:txBody>
+                  <a:tcPr marL="68580" marR="68580" marT="0" marB="0"/>
+                </a:tc>
+                <a:tc>
+                  <a:txBody>
+                    <a:bodyPr/>
+                    <a:lstStyle/>
+                    <a:p>
+                      <a:pPr indent="450215" algn="l">
+                        <a:lnSpc>
+                          <a:spcPct val="150000"/>
+                        </a:lnSpc>
+                        <a:spcAft>
+                          <a:spcPts val="0"/>
+                        </a:spcAft>
+                      </a:pPr>
+                      <a:r>
+                        <a:rPr lang="en-US" sz="1400">
+                          <a:effectLst/>
+                        </a:rPr>
+                        <a:t>1</a:t>
+                      </a:r>
+                      <a:endParaRPr lang="ru-RU" sz="1400">
+                        <a:effectLst/>
+                        <a:latin typeface="Times New Roman" panose="02020603050405020304" pitchFamily="18" charset="0"/>
+                        <a:ea typeface="Calibri" panose="020F0502020204030204" pitchFamily="34" charset="0"/>
+                        <a:cs typeface="Times New Roman" panose="02020603050405020304" pitchFamily="18" charset="0"/>
+                      </a:endParaRPr>
+                    </a:p>
+                  </a:txBody>
+                  <a:tcPr marL="68580" marR="68580" marT="0" marB="0"/>
+                </a:tc>
+                <a:extLst>
+                  <a:ext uri="{0D108BD9-81ED-4DB2-BD59-A6C34878D82A}">
+                    <a16:rowId xmlns:a16="http://schemas.microsoft.com/office/drawing/2014/main" val="387872270"/>
+                  </a:ext>
+                </a:extLst>
+              </a:tr>
+              <a:tr h="190500">
+                <a:tc>
+                  <a:txBody>
+                    <a:bodyPr/>
+                    <a:lstStyle/>
+                    <a:p>
+                      <a:pPr indent="450215" algn="l">
+                        <a:lnSpc>
+                          <a:spcPct val="150000"/>
+                        </a:lnSpc>
+                        <a:spcAft>
+                          <a:spcPts val="0"/>
+                        </a:spcAft>
+                      </a:pPr>
+                      <a:r>
+                        <a:rPr lang="en-US" sz="1400">
+                          <a:effectLst/>
+                        </a:rPr>
+                        <a:t>Possible answer</a:t>
+                      </a:r>
+                      <a:endParaRPr lang="ru-RU" sz="1400">
+                        <a:effectLst/>
+                        <a:latin typeface="Times New Roman" panose="02020603050405020304" pitchFamily="18" charset="0"/>
+                        <a:ea typeface="Calibri" panose="020F0502020204030204" pitchFamily="34" charset="0"/>
+                        <a:cs typeface="Times New Roman" panose="02020603050405020304" pitchFamily="18" charset="0"/>
+                      </a:endParaRPr>
+                    </a:p>
+                  </a:txBody>
+                  <a:tcPr marL="68580" marR="68580" marT="0" marB="0"/>
+                </a:tc>
+                <a:tc>
+                  <a:txBody>
+                    <a:bodyPr/>
+                    <a:lstStyle/>
+                    <a:p>
+                      <a:pPr indent="450215" algn="l">
+                        <a:lnSpc>
+                          <a:spcPct val="150000"/>
+                        </a:lnSpc>
+                        <a:spcAft>
+                          <a:spcPts val="0"/>
+                        </a:spcAft>
+                      </a:pPr>
+                      <a:r>
+                        <a:rPr lang="en-US" sz="1400">
+                          <a:effectLst/>
+                        </a:rPr>
+                        <a:t>2</a:t>
+                      </a:r>
+                      <a:endParaRPr lang="ru-RU" sz="1400">
+                        <a:effectLst/>
+                        <a:latin typeface="Times New Roman" panose="02020603050405020304" pitchFamily="18" charset="0"/>
+                        <a:ea typeface="Calibri" panose="020F0502020204030204" pitchFamily="34" charset="0"/>
+                        <a:cs typeface="Times New Roman" panose="02020603050405020304" pitchFamily="18" charset="0"/>
+                      </a:endParaRPr>
+                    </a:p>
+                  </a:txBody>
+                  <a:tcPr marL="68580" marR="68580" marT="0" marB="0"/>
+                </a:tc>
+                <a:extLst>
+                  <a:ext uri="{0D108BD9-81ED-4DB2-BD59-A6C34878D82A}">
+                    <a16:rowId xmlns:a16="http://schemas.microsoft.com/office/drawing/2014/main" val="2034381079"/>
+                  </a:ext>
+                </a:extLst>
+              </a:tr>
+              <a:tr h="390525">
+                <a:tc>
+                  <a:txBody>
+                    <a:bodyPr/>
+                    <a:lstStyle/>
+                    <a:p>
+                      <a:pPr indent="450215" algn="l">
+                        <a:lnSpc>
+                          <a:spcPct val="150000"/>
+                        </a:lnSpc>
+                        <a:spcAft>
+                          <a:spcPts val="0"/>
+                        </a:spcAft>
+                      </a:pPr>
+                      <a:r>
+                        <a:rPr lang="en-US" sz="1400">
+                          <a:effectLst/>
+                        </a:rPr>
+                        <a:t>Действие</a:t>
+                      </a:r>
+                      <a:endParaRPr lang="ru-RU" sz="1400">
+                        <a:effectLst/>
+                        <a:latin typeface="Times New Roman" panose="02020603050405020304" pitchFamily="18" charset="0"/>
+                        <a:ea typeface="Calibri" panose="020F0502020204030204" pitchFamily="34" charset="0"/>
+                        <a:cs typeface="Times New Roman" panose="02020603050405020304" pitchFamily="18" charset="0"/>
+                      </a:endParaRPr>
+                    </a:p>
+                  </a:txBody>
+                  <a:tcPr marL="68580" marR="68580" marT="0" marB="0"/>
+                </a:tc>
+                <a:tc>
+                  <a:txBody>
+                    <a:bodyPr/>
+                    <a:lstStyle/>
+                    <a:p>
+                      <a:pPr indent="450215" algn="l">
+                        <a:lnSpc>
+                          <a:spcPct val="150000"/>
+                        </a:lnSpc>
+                        <a:spcAft>
+                          <a:spcPts val="0"/>
+                        </a:spcAft>
+                      </a:pPr>
+                      <a:r>
+                        <a:rPr lang="en-US" sz="1400">
+                          <a:effectLst/>
+                        </a:rPr>
+                        <a:t>Нажата кнопка «Add test»</a:t>
+                      </a:r>
+                      <a:endParaRPr lang="ru-RU" sz="1400">
+                        <a:effectLst/>
+                        <a:latin typeface="Times New Roman" panose="02020603050405020304" pitchFamily="18" charset="0"/>
+                        <a:ea typeface="Calibri" panose="020F0502020204030204" pitchFamily="34" charset="0"/>
+                        <a:cs typeface="Times New Roman" panose="02020603050405020304" pitchFamily="18" charset="0"/>
+                      </a:endParaRPr>
+                    </a:p>
+                  </a:txBody>
+                  <a:tcPr marL="68580" marR="68580" marT="0" marB="0"/>
+                </a:tc>
+                <a:extLst>
+                  <a:ext uri="{0D108BD9-81ED-4DB2-BD59-A6C34878D82A}">
+                    <a16:rowId xmlns:a16="http://schemas.microsoft.com/office/drawing/2014/main" val="2965815949"/>
+                  </a:ext>
+                </a:extLst>
+              </a:tr>
+              <a:tr h="581025">
+                <a:tc>
+                  <a:txBody>
+                    <a:bodyPr/>
+                    <a:lstStyle/>
+                    <a:p>
+                      <a:pPr indent="450215" algn="l">
+                        <a:lnSpc>
+                          <a:spcPct val="150000"/>
+                        </a:lnSpc>
+                        <a:spcAft>
+                          <a:spcPts val="0"/>
+                        </a:spcAft>
+                      </a:pPr>
+                      <a:r>
+                        <a:rPr lang="en-US" sz="1400">
+                          <a:effectLst/>
+                        </a:rPr>
+                        <a:t>Ожидаемый результат</a:t>
+                      </a:r>
+                      <a:endParaRPr lang="ru-RU" sz="1400">
+                        <a:effectLst/>
+                        <a:latin typeface="Times New Roman" panose="02020603050405020304" pitchFamily="18" charset="0"/>
+                        <a:ea typeface="Calibri" panose="020F0502020204030204" pitchFamily="34" charset="0"/>
+                        <a:cs typeface="Times New Roman" panose="02020603050405020304" pitchFamily="18" charset="0"/>
+                      </a:endParaRPr>
+                    </a:p>
+                  </a:txBody>
+                  <a:tcPr marL="68580" marR="68580" marT="0" marB="0"/>
+                </a:tc>
+                <a:tc>
+                  <a:txBody>
+                    <a:bodyPr/>
+                    <a:lstStyle/>
+                    <a:p>
+                      <a:pPr indent="450215" algn="l">
+                        <a:lnSpc>
+                          <a:spcPct val="150000"/>
+                        </a:lnSpc>
+                        <a:spcAft>
+                          <a:spcPts val="0"/>
+                        </a:spcAft>
+                      </a:pPr>
+                      <a:r>
+                        <a:rPr lang="en-US" sz="1400">
+                          <a:effectLst/>
+                        </a:rPr>
+                        <a:t>Появляется окно с надписью «This test name already exists»</a:t>
+                      </a:r>
+                      <a:endParaRPr lang="ru-RU" sz="1400">
+                        <a:effectLst/>
+                        <a:latin typeface="Times New Roman" panose="02020603050405020304" pitchFamily="18" charset="0"/>
+                        <a:ea typeface="Calibri" panose="020F0502020204030204" pitchFamily="34" charset="0"/>
+                        <a:cs typeface="Times New Roman" panose="02020603050405020304" pitchFamily="18" charset="0"/>
+                      </a:endParaRPr>
+                    </a:p>
+                  </a:txBody>
+                  <a:tcPr marL="68580" marR="68580" marT="0" marB="0"/>
+                </a:tc>
+                <a:extLst>
+                  <a:ext uri="{0D108BD9-81ED-4DB2-BD59-A6C34878D82A}">
+                    <a16:rowId xmlns:a16="http://schemas.microsoft.com/office/drawing/2014/main" val="3996111007"/>
+                  </a:ext>
+                </a:extLst>
+              </a:tr>
+              <a:tr h="200025">
+                <a:tc>
+                  <a:txBody>
+                    <a:bodyPr/>
+                    <a:lstStyle/>
+                    <a:p>
+                      <a:pPr indent="450215" algn="l">
+                        <a:lnSpc>
+                          <a:spcPct val="150000"/>
+                        </a:lnSpc>
+                        <a:spcAft>
+                          <a:spcPts val="0"/>
+                        </a:spcAft>
+                      </a:pPr>
+                      <a:r>
+                        <a:rPr lang="en-US" sz="1400">
+                          <a:effectLst/>
+                        </a:rPr>
+                        <a:t> </a:t>
+                      </a:r>
+                      <a:endParaRPr lang="ru-RU" sz="1400">
+                        <a:effectLst/>
+                        <a:latin typeface="Times New Roman" panose="02020603050405020304" pitchFamily="18" charset="0"/>
+                        <a:ea typeface="Calibri" panose="020F0502020204030204" pitchFamily="34" charset="0"/>
+                        <a:cs typeface="Times New Roman" panose="02020603050405020304" pitchFamily="18" charset="0"/>
+                      </a:endParaRPr>
+                    </a:p>
+                  </a:txBody>
+                  <a:tcPr marL="68580" marR="68580" marT="0" marB="0"/>
+                </a:tc>
+                <a:tc>
+                  <a:txBody>
+                    <a:bodyPr/>
+                    <a:lstStyle/>
+                    <a:p>
+                      <a:pPr>
+                        <a:lnSpc>
+                          <a:spcPct val="107000"/>
+                        </a:lnSpc>
+                      </a:pPr>
+                      <a:endParaRPr lang="ru-RU" sz="1100">
+                        <a:effectLst/>
+                        <a:latin typeface="Calibri" panose="020F0502020204030204" pitchFamily="34" charset="0"/>
+                        <a:cs typeface="Times New Roman" panose="02020603050405020304" pitchFamily="18" charset="0"/>
+                      </a:endParaRPr>
+                    </a:p>
+                  </a:txBody>
+                  <a:tcPr marL="68580" marR="68580" marT="0" marB="0"/>
+                </a:tc>
+                <a:extLst>
+                  <a:ext uri="{0D108BD9-81ED-4DB2-BD59-A6C34878D82A}">
+                    <a16:rowId xmlns:a16="http://schemas.microsoft.com/office/drawing/2014/main" val="2196406510"/>
+                  </a:ext>
+                </a:extLst>
+              </a:tr>
+              <a:tr h="295275">
+                <a:tc>
+                  <a:txBody>
+                    <a:bodyPr/>
+                    <a:lstStyle/>
+                    <a:p>
+                      <a:pPr indent="450215" algn="l">
+                        <a:lnSpc>
+                          <a:spcPct val="150000"/>
+                        </a:lnSpc>
+                        <a:spcAft>
+                          <a:spcPts val="0"/>
+                        </a:spcAft>
+                      </a:pPr>
+                      <a:r>
+                        <a:rPr lang="en-US" sz="1400">
+                          <a:effectLst/>
+                        </a:rPr>
+                        <a:t>Результат тестирования</a:t>
+                      </a:r>
+                      <a:endParaRPr lang="ru-RU" sz="1400">
+                        <a:effectLst/>
+                        <a:latin typeface="Times New Roman" panose="02020603050405020304" pitchFamily="18" charset="0"/>
+                        <a:ea typeface="Calibri" panose="020F0502020204030204" pitchFamily="34" charset="0"/>
+                        <a:cs typeface="Times New Roman" panose="02020603050405020304" pitchFamily="18" charset="0"/>
+                      </a:endParaRPr>
+                    </a:p>
+                  </a:txBody>
+                  <a:tcPr marL="68580" marR="68580" marT="0" marB="0"/>
+                </a:tc>
+                <a:tc>
+                  <a:txBody>
+                    <a:bodyPr/>
+                    <a:lstStyle/>
+                    <a:p>
+                      <a:pPr indent="450215" algn="l">
+                        <a:lnSpc>
+                          <a:spcPct val="150000"/>
+                        </a:lnSpc>
+                        <a:spcAft>
+                          <a:spcPts val="0"/>
+                        </a:spcAft>
+                      </a:pPr>
+                      <a:r>
+                        <a:rPr lang="en-US" sz="1400">
+                          <a:effectLst/>
+                        </a:rPr>
+                        <a:t>+</a:t>
+                      </a:r>
+                      <a:endParaRPr lang="ru-RU" sz="1400">
+                        <a:effectLst/>
+                        <a:latin typeface="Times New Roman" panose="02020603050405020304" pitchFamily="18" charset="0"/>
+                        <a:ea typeface="Calibri" panose="020F0502020204030204" pitchFamily="34" charset="0"/>
+                        <a:cs typeface="Times New Roman" panose="02020603050405020304" pitchFamily="18" charset="0"/>
+                      </a:endParaRPr>
+                    </a:p>
+                  </a:txBody>
+                  <a:tcPr marL="68580" marR="68580" marT="0" marB="0"/>
+                </a:tc>
+                <a:extLst>
+                  <a:ext uri="{0D108BD9-81ED-4DB2-BD59-A6C34878D82A}">
+                    <a16:rowId xmlns:a16="http://schemas.microsoft.com/office/drawing/2014/main" val="2237878263"/>
+                  </a:ext>
+                </a:extLst>
+              </a:tr>
+              <a:tr h="390525">
+                <a:tc>
+                  <a:txBody>
+                    <a:bodyPr/>
+                    <a:lstStyle/>
+                    <a:p>
+                      <a:pPr indent="450215" algn="l">
+                        <a:lnSpc>
+                          <a:spcPct val="150000"/>
+                        </a:lnSpc>
+                        <a:spcAft>
+                          <a:spcPts val="0"/>
+                        </a:spcAft>
+                      </a:pPr>
+                      <a:r>
+                        <a:rPr lang="en-US" sz="1400">
+                          <a:effectLst/>
+                        </a:rPr>
+                        <a:t>Описание результата</a:t>
+                      </a:r>
+                      <a:endParaRPr lang="ru-RU" sz="1400">
+                        <a:effectLst/>
+                        <a:latin typeface="Times New Roman" panose="02020603050405020304" pitchFamily="18" charset="0"/>
+                        <a:ea typeface="Calibri" panose="020F0502020204030204" pitchFamily="34" charset="0"/>
+                        <a:cs typeface="Times New Roman" panose="02020603050405020304" pitchFamily="18" charset="0"/>
+                      </a:endParaRPr>
+                    </a:p>
+                  </a:txBody>
+                  <a:tcPr marL="68580" marR="68580" marT="0" marB="0"/>
+                </a:tc>
+                <a:tc>
+                  <a:txBody>
+                    <a:bodyPr/>
+                    <a:lstStyle/>
+                    <a:p>
+                      <a:pPr>
+                        <a:lnSpc>
+                          <a:spcPct val="107000"/>
+                        </a:lnSpc>
+                      </a:pPr>
+                      <a:endParaRPr lang="ru-RU" sz="1100" dirty="0">
+                        <a:effectLst/>
+                        <a:latin typeface="Calibri" panose="020F0502020204030204" pitchFamily="34" charset="0"/>
+                        <a:cs typeface="Times New Roman" panose="02020603050405020304" pitchFamily="18" charset="0"/>
+                      </a:endParaRPr>
+                    </a:p>
+                  </a:txBody>
+                  <a:tcPr marL="68580" marR="68580" marT="0" marB="0"/>
+                </a:tc>
+                <a:extLst>
+                  <a:ext uri="{0D108BD9-81ED-4DB2-BD59-A6C34878D82A}">
+                    <a16:rowId xmlns:a16="http://schemas.microsoft.com/office/drawing/2014/main" val="1921485761"/>
+                  </a:ext>
+                </a:extLst>
+              </a:tr>
+            </a:tbl>
+          </a:graphicData>
+        </a:graphic>
+      </p:graphicFrame>
+      <p:sp>
+        <p:nvSpPr>
+          <p:cNvPr id="7" name="Подзаголовок 2">
+            <a:extLst>
+              <a:ext uri="{FF2B5EF4-FFF2-40B4-BE49-F238E27FC236}">
+                <a16:creationId xmlns:a16="http://schemas.microsoft.com/office/drawing/2014/main" id="{F9CD357F-CB10-47DC-9AEC-DD4C4DA0C6D9}"/>
+              </a:ext>
+            </a:extLst>
+          </p:cNvPr>
+          <p:cNvSpPr>
+            <a:spLocks noGrp="1"/>
+          </p:cNvSpPr>
+          <p:nvPr>
+            <p:ph type="subTitle" idx="1"/>
+          </p:nvPr>
+        </p:nvSpPr>
+        <p:spPr>
+          <a:xfrm>
+            <a:off x="1701710" y="344576"/>
+            <a:ext cx="9144000" cy="395195"/>
+          </a:xfrm>
+        </p:spPr>
+        <p:txBody>
+          <a:bodyPr>
+            <a:normAutofit fontScale="92500" lnSpcReduction="20000"/>
+          </a:bodyPr>
+          <a:lstStyle/>
+          <a:p>
+            <a:r>
+              <a:rPr lang="ru-RU" sz="2800" dirty="0">
+                <a:latin typeface="Times New Roman" panose="02020603050405020304" pitchFamily="18" charset="0"/>
+                <a:cs typeface="Times New Roman" panose="02020603050405020304" pitchFamily="18" charset="0"/>
+              </a:rPr>
+              <a:t>Тестирование</a:t>
+            </a:r>
+          </a:p>
+        </p:txBody>
+      </p:sp>
+    </p:spTree>
+    <p:extLst>
+      <p:ext uri="{BB962C8B-B14F-4D97-AF65-F5344CB8AC3E}">
+        <p14:creationId xmlns:p14="http://schemas.microsoft.com/office/powerpoint/2010/main" val="3110487095"/>
+      </p:ext>
+    </p:extLst>
+  </p:cSld>
+  <p:clrMapOvr>
+    <a:masterClrMapping/>
+  </p:clrMapOvr>
+</p:sld>
+</file>
+
+<file path=ppt/slides/slide14.xml><?xml version="1.0" encoding="utf-8"?>
+<p:sld xmlns:a="http://schemas.openxmlformats.org/drawingml/2006/main" xmlns:r="http://schemas.openxmlformats.org/officeDocument/2006/relationships" xmlns:p="http://schemas.openxmlformats.org/presentationml/2006/main">
+  <p:cSld>
+    <p:spTree>
+      <p:nvGrpSpPr>
+        <p:cNvPr id="1" name=""/>
+        <p:cNvGrpSpPr/>
+        <p:nvPr/>
+      </p:nvGrpSpPr>
+      <p:grpSpPr>
+        <a:xfrm>
+          <a:off x="0" y="0"/>
+          <a:ext cx="0" cy="0"/>
+          <a:chOff x="0" y="0"/>
+          <a:chExt cx="0" cy="0"/>
+        </a:xfrm>
+      </p:grpSpPr>
+      <p:sp>
+        <p:nvSpPr>
+          <p:cNvPr id="2" name="Заголовок 1">
+            <a:extLst>
+              <a:ext uri="{FF2B5EF4-FFF2-40B4-BE49-F238E27FC236}">
+                <a16:creationId xmlns:a16="http://schemas.microsoft.com/office/drawing/2014/main" id="{D6D3B09F-5703-4398-A0E3-432CF6719CD0}"/>
+              </a:ext>
+            </a:extLst>
+          </p:cNvPr>
+          <p:cNvSpPr>
+            <a:spLocks noGrp="1"/>
+          </p:cNvSpPr>
+          <p:nvPr>
+            <p:ph type="ctrTitle"/>
+          </p:nvPr>
+        </p:nvSpPr>
+        <p:spPr>
+          <a:xfrm>
+            <a:off x="1701710" y="1193532"/>
+            <a:ext cx="9144000" cy="5014764"/>
+          </a:xfrm>
+        </p:spPr>
+        <p:txBody>
+          <a:bodyPr>
+            <a:noAutofit/>
+          </a:bodyPr>
+          <a:lstStyle/>
+          <a:p>
+            <a:pPr algn="l"/>
+            <a:r>
+              <a:rPr lang="ru-RU" sz="2000" dirty="0">
+                <a:effectLst/>
+                <a:latin typeface="Times New Roman" panose="02020603050405020304" pitchFamily="18" charset="0"/>
+                <a:ea typeface="Calibri" panose="020F0502020204030204" pitchFamily="34" charset="0"/>
+                <a:cs typeface="Times New Roman" panose="02020603050405020304" pitchFamily="18" charset="0"/>
+              </a:rPr>
+              <a:t>	В данной работе было проведено проектирование и разработка информационной подсистемы поддержки самостоятельного обучения профессиональному английскому языку, целью которой является обучение английскому языку. Данная подсистема должна была облегчить изучение и получения практических навыков использования английского языка в IT сфере.</a:t>
+            </a:r>
+            <a:br>
+              <a:rPr lang="ru-RU" sz="2000" dirty="0">
+                <a:effectLst/>
+                <a:latin typeface="Times New Roman" panose="02020603050405020304" pitchFamily="18" charset="0"/>
+                <a:ea typeface="Calibri" panose="020F0502020204030204" pitchFamily="34" charset="0"/>
+                <a:cs typeface="Times New Roman" panose="02020603050405020304" pitchFamily="18" charset="0"/>
+              </a:rPr>
+            </a:br>
+            <a:r>
+              <a:rPr lang="ru-RU" sz="2000" dirty="0">
+                <a:effectLst/>
+                <a:latin typeface="Times New Roman" panose="02020603050405020304" pitchFamily="18" charset="0"/>
+                <a:ea typeface="Calibri" panose="020F0502020204030204" pitchFamily="34" charset="0"/>
+                <a:cs typeface="Times New Roman" panose="02020603050405020304" pitchFamily="18" charset="0"/>
+              </a:rPr>
+              <a:t>	Разработка подсистемы обучения английскому языку была проведена с помощью программного средства </a:t>
+            </a:r>
+            <a:r>
+              <a:rPr lang="ru-RU" sz="2000" dirty="0" err="1">
+                <a:effectLst/>
+                <a:latin typeface="Times New Roman" panose="02020603050405020304" pitchFamily="18" charset="0"/>
+                <a:ea typeface="Calibri" panose="020F0502020204030204" pitchFamily="34" charset="0"/>
+                <a:cs typeface="Times New Roman" panose="02020603050405020304" pitchFamily="18" charset="0"/>
+              </a:rPr>
+              <a:t>Visual</a:t>
+            </a:r>
+            <a:r>
+              <a:rPr lang="ru-RU" sz="2000" dirty="0">
+                <a:effectLst/>
+                <a:latin typeface="Times New Roman" panose="02020603050405020304" pitchFamily="18" charset="0"/>
+                <a:ea typeface="Calibri" panose="020F0502020204030204" pitchFamily="34" charset="0"/>
+                <a:cs typeface="Times New Roman" panose="02020603050405020304" pitchFamily="18" charset="0"/>
+              </a:rPr>
+              <a:t> </a:t>
+            </a:r>
+            <a:r>
+              <a:rPr lang="ru-RU" sz="2000" dirty="0" err="1">
+                <a:effectLst/>
+                <a:latin typeface="Times New Roman" panose="02020603050405020304" pitchFamily="18" charset="0"/>
+                <a:ea typeface="Calibri" panose="020F0502020204030204" pitchFamily="34" charset="0"/>
+                <a:cs typeface="Times New Roman" panose="02020603050405020304" pitchFamily="18" charset="0"/>
+              </a:rPr>
+              <a:t>Studio</a:t>
+            </a:r>
+            <a:r>
+              <a:rPr lang="ru-RU" sz="2000" dirty="0">
+                <a:effectLst/>
+                <a:latin typeface="Times New Roman" panose="02020603050405020304" pitchFamily="18" charset="0"/>
+                <a:ea typeface="Calibri" panose="020F0502020204030204" pitchFamily="34" charset="0"/>
+                <a:cs typeface="Times New Roman" panose="02020603050405020304" pitchFamily="18" charset="0"/>
+              </a:rPr>
+              <a:t> и SQL </a:t>
+            </a:r>
+            <a:r>
+              <a:rPr lang="ru-RU" sz="2000" dirty="0" err="1">
+                <a:effectLst/>
+                <a:latin typeface="Times New Roman" panose="02020603050405020304" pitchFamily="18" charset="0"/>
+                <a:ea typeface="Calibri" panose="020F0502020204030204" pitchFamily="34" charset="0"/>
+                <a:cs typeface="Times New Roman" panose="02020603050405020304" pitchFamily="18" charset="0"/>
+              </a:rPr>
+              <a:t>Server</a:t>
+            </a:r>
+            <a:r>
+              <a:rPr lang="ru-RU" sz="2000" dirty="0">
+                <a:effectLst/>
+                <a:latin typeface="Times New Roman" panose="02020603050405020304" pitchFamily="18" charset="0"/>
+                <a:ea typeface="Calibri" panose="020F0502020204030204" pitchFamily="34" charset="0"/>
+                <a:cs typeface="Times New Roman" panose="02020603050405020304" pitchFamily="18" charset="0"/>
+              </a:rPr>
+              <a:t> </a:t>
+            </a:r>
+            <a:r>
+              <a:rPr lang="ru-RU" sz="2000" dirty="0" err="1">
+                <a:effectLst/>
+                <a:latin typeface="Times New Roman" panose="02020603050405020304" pitchFamily="18" charset="0"/>
+                <a:ea typeface="Calibri" panose="020F0502020204030204" pitchFamily="34" charset="0"/>
+                <a:cs typeface="Times New Roman" panose="02020603050405020304" pitchFamily="18" charset="0"/>
+              </a:rPr>
+              <a:t>Management</a:t>
+            </a:r>
+            <a:r>
+              <a:rPr lang="ru-RU" sz="2000" dirty="0">
+                <a:effectLst/>
+                <a:latin typeface="Times New Roman" panose="02020603050405020304" pitchFamily="18" charset="0"/>
+                <a:ea typeface="Calibri" panose="020F0502020204030204" pitchFamily="34" charset="0"/>
+                <a:cs typeface="Times New Roman" panose="02020603050405020304" pitchFamily="18" charset="0"/>
+              </a:rPr>
+              <a:t> </a:t>
+            </a:r>
+            <a:r>
+              <a:rPr lang="ru-RU" sz="2000" dirty="0" err="1">
+                <a:effectLst/>
+                <a:latin typeface="Times New Roman" panose="02020603050405020304" pitchFamily="18" charset="0"/>
+                <a:ea typeface="Calibri" panose="020F0502020204030204" pitchFamily="34" charset="0"/>
+                <a:cs typeface="Times New Roman" panose="02020603050405020304" pitchFamily="18" charset="0"/>
+              </a:rPr>
+              <a:t>Studio</a:t>
+            </a:r>
+            <a:r>
+              <a:rPr lang="ru-RU" sz="2000" dirty="0">
+                <a:effectLst/>
+                <a:latin typeface="Times New Roman" panose="02020603050405020304" pitchFamily="18" charset="0"/>
+                <a:ea typeface="Calibri" panose="020F0502020204030204" pitchFamily="34" charset="0"/>
+                <a:cs typeface="Times New Roman" panose="02020603050405020304" pitchFamily="18" charset="0"/>
+              </a:rPr>
+              <a:t> (SSMS). А также сделан и представлен графический интерфейс по построенным макетам. Он был разработан с использованием технологии </a:t>
+            </a:r>
+            <a:r>
+              <a:rPr lang="ru-RU" sz="2000" dirty="0" err="1">
+                <a:effectLst/>
+                <a:latin typeface="Times New Roman" panose="02020603050405020304" pitchFamily="18" charset="0"/>
+                <a:ea typeface="Calibri" panose="020F0502020204030204" pitchFamily="34" charset="0"/>
+                <a:cs typeface="Times New Roman" panose="02020603050405020304" pitchFamily="18" charset="0"/>
+              </a:rPr>
+              <a:t>Windows</a:t>
+            </a:r>
+            <a:r>
+              <a:rPr lang="ru-RU" sz="2000" dirty="0">
+                <a:effectLst/>
+                <a:latin typeface="Times New Roman" panose="02020603050405020304" pitchFamily="18" charset="0"/>
+                <a:ea typeface="Calibri" panose="020F0502020204030204" pitchFamily="34" charset="0"/>
+                <a:cs typeface="Times New Roman" panose="02020603050405020304" pitchFamily="18" charset="0"/>
+              </a:rPr>
+              <a:t> </a:t>
+            </a:r>
+            <a:r>
+              <a:rPr lang="ru-RU" sz="2000" dirty="0" err="1">
+                <a:effectLst/>
+                <a:latin typeface="Times New Roman" panose="02020603050405020304" pitchFamily="18" charset="0"/>
+                <a:ea typeface="Calibri" panose="020F0502020204030204" pitchFamily="34" charset="0"/>
+                <a:cs typeface="Times New Roman" panose="02020603050405020304" pitchFamily="18" charset="0"/>
+              </a:rPr>
+              <a:t>Forms</a:t>
+            </a:r>
+            <a:r>
+              <a:rPr lang="ru-RU" sz="2000" dirty="0">
+                <a:effectLst/>
+                <a:latin typeface="Times New Roman" panose="02020603050405020304" pitchFamily="18" charset="0"/>
+                <a:ea typeface="Calibri" panose="020F0502020204030204" pitchFamily="34" charset="0"/>
+                <a:cs typeface="Times New Roman" panose="02020603050405020304" pitchFamily="18" charset="0"/>
+              </a:rPr>
+              <a:t>. Также разработка была проведена с взаимодействием с MS SQL сервером с использованием технологии </a:t>
+            </a:r>
+            <a:r>
+              <a:rPr lang="ru-RU" sz="2000" dirty="0" err="1">
+                <a:effectLst/>
+                <a:latin typeface="Times New Roman" panose="02020603050405020304" pitchFamily="18" charset="0"/>
+                <a:ea typeface="Calibri" panose="020F0502020204030204" pitchFamily="34" charset="0"/>
+                <a:cs typeface="Times New Roman" panose="02020603050405020304" pitchFamily="18" charset="0"/>
+              </a:rPr>
+              <a:t>Entity</a:t>
+            </a:r>
+            <a:r>
+              <a:rPr lang="ru-RU" sz="2000" dirty="0">
+                <a:effectLst/>
+                <a:latin typeface="Times New Roman" panose="02020603050405020304" pitchFamily="18" charset="0"/>
+                <a:ea typeface="Calibri" panose="020F0502020204030204" pitchFamily="34" charset="0"/>
+                <a:cs typeface="Times New Roman" panose="02020603050405020304" pitchFamily="18" charset="0"/>
+              </a:rPr>
+              <a:t> </a:t>
+            </a:r>
+            <a:r>
+              <a:rPr lang="ru-RU" sz="2000" dirty="0" err="1">
+                <a:effectLst/>
+                <a:latin typeface="Times New Roman" panose="02020603050405020304" pitchFamily="18" charset="0"/>
+                <a:ea typeface="Calibri" panose="020F0502020204030204" pitchFamily="34" charset="0"/>
+                <a:cs typeface="Times New Roman" panose="02020603050405020304" pitchFamily="18" charset="0"/>
+              </a:rPr>
+              <a:t>Framework</a:t>
+            </a:r>
+            <a:r>
+              <a:rPr lang="ru-RU" sz="2000" dirty="0">
+                <a:effectLst/>
+                <a:latin typeface="Times New Roman" panose="02020603050405020304" pitchFamily="18" charset="0"/>
+                <a:ea typeface="Calibri" panose="020F0502020204030204" pitchFamily="34" charset="0"/>
+                <a:cs typeface="Times New Roman" panose="02020603050405020304" pitchFamily="18" charset="0"/>
+              </a:rPr>
+              <a:t> </a:t>
+            </a:r>
+            <a:r>
+              <a:rPr lang="ru-RU" sz="2000" dirty="0" err="1">
+                <a:effectLst/>
+                <a:latin typeface="Times New Roman" panose="02020603050405020304" pitchFamily="18" charset="0"/>
+                <a:ea typeface="Calibri" panose="020F0502020204030204" pitchFamily="34" charset="0"/>
+                <a:cs typeface="Times New Roman" panose="02020603050405020304" pitchFamily="18" charset="0"/>
+              </a:rPr>
+              <a:t>ADO.Net</a:t>
+            </a:r>
+            <a:r>
+              <a:rPr lang="ru-RU" sz="2000" dirty="0">
+                <a:effectLst/>
+                <a:latin typeface="Times New Roman" panose="02020603050405020304" pitchFamily="18" charset="0"/>
+                <a:ea typeface="Calibri" panose="020F0502020204030204" pitchFamily="34" charset="0"/>
+                <a:cs typeface="Times New Roman" panose="02020603050405020304" pitchFamily="18" charset="0"/>
+              </a:rPr>
+              <a:t> «</a:t>
+            </a:r>
+            <a:r>
+              <a:rPr lang="ru-RU" sz="2000" dirty="0" err="1">
+                <a:effectLst/>
+                <a:latin typeface="Times New Roman" panose="02020603050405020304" pitchFamily="18" charset="0"/>
+                <a:ea typeface="Calibri" panose="020F0502020204030204" pitchFamily="34" charset="0"/>
+                <a:cs typeface="Times New Roman" panose="02020603050405020304" pitchFamily="18" charset="0"/>
+              </a:rPr>
+              <a:t>Code</a:t>
+            </a:r>
+            <a:r>
+              <a:rPr lang="ru-RU" sz="2000" dirty="0">
+                <a:effectLst/>
+                <a:latin typeface="Times New Roman" panose="02020603050405020304" pitchFamily="18" charset="0"/>
+                <a:ea typeface="Calibri" panose="020F0502020204030204" pitchFamily="34" charset="0"/>
+                <a:cs typeface="Times New Roman" panose="02020603050405020304" pitchFamily="18" charset="0"/>
+              </a:rPr>
+              <a:t> </a:t>
+            </a:r>
+            <a:r>
+              <a:rPr lang="ru-RU" sz="2000" dirty="0" err="1">
+                <a:effectLst/>
+                <a:latin typeface="Times New Roman" panose="02020603050405020304" pitchFamily="18" charset="0"/>
+                <a:ea typeface="Calibri" panose="020F0502020204030204" pitchFamily="34" charset="0"/>
+                <a:cs typeface="Times New Roman" panose="02020603050405020304" pitchFamily="18" charset="0"/>
+              </a:rPr>
+              <a:t>first</a:t>
+            </a:r>
+            <a:r>
+              <a:rPr lang="ru-RU" sz="2000" dirty="0">
+                <a:effectLst/>
+                <a:latin typeface="Times New Roman" panose="02020603050405020304" pitchFamily="18" charset="0"/>
+                <a:ea typeface="Calibri" panose="020F0502020204030204" pitchFamily="34" charset="0"/>
+                <a:cs typeface="Times New Roman" panose="02020603050405020304" pitchFamily="18" charset="0"/>
+              </a:rPr>
+              <a:t> </a:t>
+            </a:r>
+            <a:r>
+              <a:rPr lang="ru-RU" sz="2000" dirty="0" err="1">
+                <a:effectLst/>
+                <a:latin typeface="Times New Roman" panose="02020603050405020304" pitchFamily="18" charset="0"/>
+                <a:ea typeface="Calibri" panose="020F0502020204030204" pitchFamily="34" charset="0"/>
+                <a:cs typeface="Times New Roman" panose="02020603050405020304" pitchFamily="18" charset="0"/>
+              </a:rPr>
+              <a:t>from</a:t>
+            </a:r>
+            <a:r>
+              <a:rPr lang="ru-RU" sz="2000" dirty="0">
+                <a:effectLst/>
+                <a:latin typeface="Times New Roman" panose="02020603050405020304" pitchFamily="18" charset="0"/>
+                <a:ea typeface="Calibri" panose="020F0502020204030204" pitchFamily="34" charset="0"/>
+                <a:cs typeface="Times New Roman" panose="02020603050405020304" pitchFamily="18" charset="0"/>
+              </a:rPr>
+              <a:t> </a:t>
+            </a:r>
+            <a:r>
+              <a:rPr lang="ru-RU" sz="2000" dirty="0" err="1">
+                <a:effectLst/>
+                <a:latin typeface="Times New Roman" panose="02020603050405020304" pitchFamily="18" charset="0"/>
+                <a:ea typeface="Calibri" panose="020F0502020204030204" pitchFamily="34" charset="0"/>
+                <a:cs typeface="Times New Roman" panose="02020603050405020304" pitchFamily="18" charset="0"/>
+              </a:rPr>
+              <a:t>database</a:t>
+            </a:r>
+            <a:r>
+              <a:rPr lang="ru-RU" sz="2000" dirty="0">
+                <a:effectLst/>
+                <a:latin typeface="Times New Roman" panose="02020603050405020304" pitchFamily="18" charset="0"/>
+                <a:ea typeface="Calibri" panose="020F0502020204030204" pitchFamily="34" charset="0"/>
+                <a:cs typeface="Times New Roman" panose="02020603050405020304" pitchFamily="18" charset="0"/>
+              </a:rPr>
+              <a:t>». Руководство пользователя и описание разработки кода было расписано подробно, для понимания.</a:t>
+            </a:r>
+            <a:br>
+              <a:rPr lang="ru-RU" sz="2000" dirty="0">
+                <a:effectLst/>
+                <a:latin typeface="Times New Roman" panose="02020603050405020304" pitchFamily="18" charset="0"/>
+                <a:ea typeface="Calibri" panose="020F0502020204030204" pitchFamily="34" charset="0"/>
+                <a:cs typeface="Times New Roman" panose="02020603050405020304" pitchFamily="18" charset="0"/>
+              </a:rPr>
+            </a:br>
+            <a:r>
+              <a:rPr lang="ru-RU" sz="2000" dirty="0">
+                <a:effectLst/>
+                <a:latin typeface="Times New Roman" panose="02020603050405020304" pitchFamily="18" charset="0"/>
+                <a:ea typeface="Calibri" panose="020F0502020204030204" pitchFamily="34" charset="0"/>
+                <a:cs typeface="Times New Roman" panose="02020603050405020304" pitchFamily="18" charset="0"/>
+              </a:rPr>
+              <a:t>	Тестирование разработанной подсистемы проводилось с целью установить уровень качества разработанного программного обеспечения.</a:t>
+            </a:r>
+            <a:br>
+              <a:rPr lang="ru-RU" sz="2000" dirty="0">
+                <a:effectLst/>
+                <a:latin typeface="Times New Roman" panose="02020603050405020304" pitchFamily="18" charset="0"/>
+                <a:ea typeface="Calibri" panose="020F0502020204030204" pitchFamily="34" charset="0"/>
+                <a:cs typeface="Times New Roman" panose="02020603050405020304" pitchFamily="18" charset="0"/>
+              </a:rPr>
+            </a:br>
+            <a:r>
+              <a:rPr lang="ru-RU" sz="2000" dirty="0">
+                <a:effectLst/>
+                <a:latin typeface="Times New Roman" panose="02020603050405020304" pitchFamily="18" charset="0"/>
+                <a:ea typeface="Calibri" panose="020F0502020204030204" pitchFamily="34" charset="0"/>
+                <a:cs typeface="Times New Roman" panose="02020603050405020304" pitchFamily="18" charset="0"/>
+              </a:rPr>
+              <a:t>	В результате тестирования можно сделать вывод о том, что все задачи дипломного проекта были выполнены и поставленные цели достигнуты.</a:t>
+            </a:r>
+            <a:endParaRPr lang="ru-RU" dirty="0"/>
+          </a:p>
+        </p:txBody>
+      </p:sp>
+      <p:sp>
+        <p:nvSpPr>
+          <p:cNvPr id="4" name="Подзаголовок 2">
+            <a:extLst>
+              <a:ext uri="{FF2B5EF4-FFF2-40B4-BE49-F238E27FC236}">
+                <a16:creationId xmlns:a16="http://schemas.microsoft.com/office/drawing/2014/main" id="{A414AE2B-A9B2-4178-AB44-E2BAFBAD910A}"/>
+              </a:ext>
+            </a:extLst>
+          </p:cNvPr>
+          <p:cNvSpPr>
+            <a:spLocks noGrp="1"/>
+          </p:cNvSpPr>
+          <p:nvPr>
+            <p:ph type="subTitle" idx="1"/>
+          </p:nvPr>
+        </p:nvSpPr>
+        <p:spPr>
+          <a:xfrm>
+            <a:off x="1701710" y="488955"/>
+            <a:ext cx="9144000" cy="395195"/>
+          </a:xfrm>
+        </p:spPr>
+        <p:txBody>
+          <a:bodyPr>
+            <a:normAutofit lnSpcReduction="10000"/>
+          </a:bodyPr>
+          <a:lstStyle/>
+          <a:p>
+            <a:r>
+              <a:rPr lang="ru-RU" dirty="0">
+                <a:effectLst/>
+                <a:latin typeface="Times New Roman" panose="02020603050405020304" pitchFamily="18" charset="0"/>
+                <a:ea typeface="Calibri" panose="020F0502020204030204" pitchFamily="34" charset="0"/>
+              </a:rPr>
+              <a:t>Заключение</a:t>
+            </a:r>
+            <a:endParaRPr lang="ru-RU" sz="3200" dirty="0">
+              <a:latin typeface="Times New Roman" panose="02020603050405020304" pitchFamily="18" charset="0"/>
+              <a:cs typeface="Times New Roman" panose="02020603050405020304" pitchFamily="18" charset="0"/>
+            </a:endParaRPr>
+          </a:p>
+        </p:txBody>
+      </p:sp>
+    </p:spTree>
+    <p:extLst>
+      <p:ext uri="{BB962C8B-B14F-4D97-AF65-F5344CB8AC3E}">
+        <p14:creationId xmlns:p14="http://schemas.microsoft.com/office/powerpoint/2010/main" val="3243458383"/>
       </p:ext>
     </p:extLst>
   </p:cSld>
@@ -6129,10 +8819,10 @@
       </p:grpSpPr>
       <p:pic>
         <p:nvPicPr>
-          <p:cNvPr id="5" name="Рисунок 4">
-            <a:extLst>
-              <a:ext uri="{FF2B5EF4-FFF2-40B4-BE49-F238E27FC236}">
-                <a16:creationId xmlns:a16="http://schemas.microsoft.com/office/drawing/2014/main" id="{43BEE9A0-59B7-43B0-ADF6-07DEE048E7C9}"/>
+          <p:cNvPr id="4" name="Рисунок 3">
+            <a:extLst>
+              <a:ext uri="{FF2B5EF4-FFF2-40B4-BE49-F238E27FC236}">
+                <a16:creationId xmlns:a16="http://schemas.microsoft.com/office/drawing/2014/main" id="{EF533698-68CC-45A9-BFFE-5975A6231CDC}"/>
               </a:ext>
             </a:extLst>
           </p:cNvPr>
@@ -6142,21 +8832,15 @@
           <p:nvPr/>
         </p:nvPicPr>
         <p:blipFill>
-          <a:blip r:embed="rId2">
-            <a:extLst>
-              <a:ext uri="{28A0092B-C50C-407E-A947-70E740481C1C}">
-                <a14:useLocalDpi xmlns:a14="http://schemas.microsoft.com/office/drawing/2010/main" val="0"/>
-              </a:ext>
-            </a:extLst>
-          </a:blip>
+          <a:blip r:embed="rId2"/>
           <a:stretch>
             <a:fillRect/>
           </a:stretch>
         </p:blipFill>
         <p:spPr>
           <a:xfrm>
-            <a:off x="919789" y="856649"/>
-            <a:ext cx="10352421" cy="5890490"/>
+            <a:off x="5092445" y="1274554"/>
+            <a:ext cx="2362530" cy="3553321"/>
           </a:xfrm>
           <a:prstGeom prst="rect">
             <a:avLst/>
@@ -6165,10 +8849,10 @@
       </p:pic>
       <p:sp>
         <p:nvSpPr>
-          <p:cNvPr id="7" name="Подзаголовок 2">
-            <a:extLst>
-              <a:ext uri="{FF2B5EF4-FFF2-40B4-BE49-F238E27FC236}">
-                <a16:creationId xmlns:a16="http://schemas.microsoft.com/office/drawing/2014/main" id="{BCA9DF90-AE13-4D4B-BDA7-F313F7AF37F9}"/>
+          <p:cNvPr id="5" name="Подзаголовок 2">
+            <a:extLst>
+              <a:ext uri="{FF2B5EF4-FFF2-40B4-BE49-F238E27FC236}">
+                <a16:creationId xmlns:a16="http://schemas.microsoft.com/office/drawing/2014/main" id="{FCFBEAA9-A998-4DA9-A868-D5FCEC935509}"/>
               </a:ext>
             </a:extLst>
           </p:cNvPr>
@@ -6187,29 +8871,62 @@
         </p:spPr>
         <p:txBody>
           <a:bodyPr>
-            <a:normAutofit/>
+            <a:normAutofit fontScale="92500" lnSpcReduction="20000"/>
           </a:bodyPr>
           <a:lstStyle/>
           <a:p>
             <a:r>
+              <a:rPr lang="ru-RU" sz="2800" dirty="0">
+                <a:latin typeface="Times New Roman" panose="02020603050405020304" pitchFamily="18" charset="0"/>
+                <a:cs typeface="Times New Roman" panose="02020603050405020304" pitchFamily="18" charset="0"/>
+              </a:rPr>
+              <a:t>Модули системы</a:t>
+            </a:r>
+          </a:p>
+        </p:txBody>
+      </p:sp>
+      <p:sp>
+        <p:nvSpPr>
+          <p:cNvPr id="6" name="TextBox 5">
+            <a:extLst>
+              <a:ext uri="{FF2B5EF4-FFF2-40B4-BE49-F238E27FC236}">
+                <a16:creationId xmlns:a16="http://schemas.microsoft.com/office/drawing/2014/main" id="{82FC7311-E323-41A7-A55C-58DD91FCB49B}"/>
+              </a:ext>
+            </a:extLst>
+          </p:cNvPr>
+          <p:cNvSpPr txBox="1"/>
+          <p:nvPr/>
+        </p:nvSpPr>
+        <p:spPr>
+          <a:xfrm>
+            <a:off x="3504385" y="5362658"/>
+            <a:ext cx="7341325" cy="400110"/>
+          </a:xfrm>
+          <a:prstGeom prst="rect">
+            <a:avLst/>
+          </a:prstGeom>
+          <a:noFill/>
+        </p:spPr>
+        <p:txBody>
+          <a:bodyPr wrap="square" rtlCol="0">
+            <a:spAutoFit/>
+          </a:bodyPr>
+          <a:lstStyle/>
+          <a:p>
+            <a:r>
               <a:rPr lang="ru-RU" sz="2000" dirty="0">
-                <a:effectLst/>
                 <a:latin typeface="Times New Roman" panose="02020603050405020304" pitchFamily="18" charset="0"/>
-                <a:ea typeface="Calibri" panose="020F0502020204030204" pitchFamily="34" charset="0"/>
-              </a:rPr>
-              <a:t>Проектирование процесса «Выбрать тему для изучения»</a:t>
-            </a:r>
-            <a:endParaRPr lang="ru-RU" sz="2800" dirty="0">
-              <a:latin typeface="Times New Roman" panose="02020603050405020304" pitchFamily="18" charset="0"/>
-              <a:cs typeface="Times New Roman" panose="02020603050405020304" pitchFamily="18" charset="0"/>
-            </a:endParaRPr>
+                <a:cs typeface="Times New Roman" panose="02020603050405020304" pitchFamily="18" charset="0"/>
+              </a:rPr>
+              <a:t>В системе было спроектировано 13 основных модулей</a:t>
+            </a:r>
           </a:p>
         </p:txBody>
       </p:sp>
     </p:spTree>
     <p:extLst>
       <p:ext uri="{BB962C8B-B14F-4D97-AF65-F5344CB8AC3E}">
-        <p14:creationId xmlns:p14="http://schemas.microsoft.com/office/powerpoint/2010/main" val="2896647675"/>
+        <p14:creationId xmlns:p14="http://schemas.microsoft.com/office/powerpoint/2010/main" val="383965860"/>
       </p:ext>
     </p:extLst>
   </p:cSld>
@@ -6238,14 +8955,16 @@
       </p:grpSpPr>
       <p:pic>
         <p:nvPicPr>
-          <p:cNvPr id="4" name="Рисунок 3">
-            <a:extLst>
-              <a:ext uri="{FF2B5EF4-FFF2-40B4-BE49-F238E27FC236}">
-                <a16:creationId xmlns:a16="http://schemas.microsoft.com/office/drawing/2014/main" id="{760BD680-D6E9-4F3A-9831-C9246A3FFC96}"/>
-              </a:ext>
-            </a:extLst>
-          </p:cNvPr>
-          <p:cNvPicPr/>
+          <p:cNvPr id="5" name="Рисунок 4">
+            <a:extLst>
+              <a:ext uri="{FF2B5EF4-FFF2-40B4-BE49-F238E27FC236}">
+                <a16:creationId xmlns:a16="http://schemas.microsoft.com/office/drawing/2014/main" id="{43BEE9A0-59B7-43B0-ADF6-07DEE048E7C9}"/>
+              </a:ext>
+            </a:extLst>
+          </p:cNvPr>
+          <p:cNvPicPr>
+            <a:picLocks noChangeAspect="1"/>
+          </p:cNvPicPr>
           <p:nvPr/>
         </p:nvPicPr>
         <p:blipFill>
@@ -6256,28 +8975,26 @@
               </a:ext>
             </a:extLst>
           </a:blip>
-          <a:srcRect/>
           <a:stretch>
             <a:fillRect/>
           </a:stretch>
         </p:blipFill>
-        <p:spPr bwMode="auto">
+        <p:spPr>
           <a:xfrm>
-            <a:off x="3712325" y="985595"/>
-            <a:ext cx="5296921" cy="3596031"/>
+            <a:off x="919789" y="856649"/>
+            <a:ext cx="10352421" cy="5890490"/>
           </a:xfrm>
           <a:prstGeom prst="rect">
             <a:avLst/>
           </a:prstGeom>
-          <a:noFill/>
         </p:spPr>
       </p:pic>
       <p:sp>
         <p:nvSpPr>
-          <p:cNvPr id="5" name="Подзаголовок 2">
-            <a:extLst>
-              <a:ext uri="{FF2B5EF4-FFF2-40B4-BE49-F238E27FC236}">
-                <a16:creationId xmlns:a16="http://schemas.microsoft.com/office/drawing/2014/main" id="{3A0F7C57-F1F5-4776-B9BA-28111AD164ED}"/>
+          <p:cNvPr id="7" name="Подзаголовок 2">
+            <a:extLst>
+              <a:ext uri="{FF2B5EF4-FFF2-40B4-BE49-F238E27FC236}">
+                <a16:creationId xmlns:a16="http://schemas.microsoft.com/office/drawing/2014/main" id="{BCA9DF90-AE13-4D4B-BDA7-F313F7AF37F9}"/>
               </a:ext>
             </a:extLst>
           </p:cNvPr>
@@ -6290,7 +9007,7 @@
         </p:nvSpPr>
         <p:spPr>
           <a:xfrm>
-            <a:off x="1788786" y="402328"/>
+            <a:off x="1701710" y="344576"/>
             <a:ext cx="9144000" cy="395195"/>
           </a:xfrm>
         </p:spPr>
@@ -6302,135 +9019,23 @@
           <a:p>
             <a:r>
               <a:rPr lang="ru-RU" sz="2000" dirty="0">
-                <a:latin typeface="Times New Roman" panose="02020603050405020304" pitchFamily="18" charset="0"/>
-                <a:ea typeface="Calibri" panose="020F0502020204030204" pitchFamily="34" charset="0"/>
-              </a:rPr>
-              <a:t>А</a:t>
-            </a:r>
-            <a:r>
-              <a:rPr lang="ru-RU" sz="2000" dirty="0">
                 <a:effectLst/>
                 <a:latin typeface="Times New Roman" panose="02020603050405020304" pitchFamily="18" charset="0"/>
                 <a:ea typeface="Calibri" panose="020F0502020204030204" pitchFamily="34" charset="0"/>
               </a:rPr>
-              <a:t>рхитектура программного обеспечения</a:t>
-            </a:r>
-          </a:p>
-          <a:p>
+              <a:t>Проектирование процесса «Выбрать тему для изучения»</a:t>
+            </a:r>
             <a:endParaRPr lang="ru-RU" sz="2800" dirty="0">
               <a:latin typeface="Times New Roman" panose="02020603050405020304" pitchFamily="18" charset="0"/>
               <a:cs typeface="Times New Roman" panose="02020603050405020304" pitchFamily="18" charset="0"/>
             </a:endParaRPr>
-          </a:p>
-        </p:txBody>
-      </p:sp>
-      <p:sp>
-        <p:nvSpPr>
-          <p:cNvPr id="6" name="Заголовок 1">
-            <a:extLst>
-              <a:ext uri="{FF2B5EF4-FFF2-40B4-BE49-F238E27FC236}">
-                <a16:creationId xmlns:a16="http://schemas.microsoft.com/office/drawing/2014/main" id="{8CEDF3A4-13E7-4C6B-B8CE-140F3A61E113}"/>
-              </a:ext>
-            </a:extLst>
-          </p:cNvPr>
-          <p:cNvSpPr>
-            <a:spLocks noGrp="1"/>
-          </p:cNvSpPr>
-          <p:nvPr>
-            <p:ph type="ctrTitle"/>
-          </p:nvPr>
-        </p:nvSpPr>
-        <p:spPr>
-          <a:xfrm>
-            <a:off x="1524000" y="4235116"/>
-            <a:ext cx="9144000" cy="2011680"/>
-          </a:xfrm>
-        </p:spPr>
-        <p:txBody>
-          <a:bodyPr>
-            <a:normAutofit/>
-          </a:bodyPr>
-          <a:lstStyle/>
-          <a:p>
-            <a:r>
-              <a:rPr lang="ru-RU" sz="2000" dirty="0">
-                <a:effectLst/>
-                <a:latin typeface="Times New Roman" panose="02020603050405020304" pitchFamily="18" charset="0"/>
-                <a:ea typeface="Calibri" panose="020F0502020204030204" pitchFamily="34" charset="0"/>
-              </a:rPr>
-              <a:t>Программное обеспечение разрабатываемой информационной системы было реализовано в виде клиент-серверного приложения. </a:t>
-            </a:r>
-            <a:br>
-              <a:rPr lang="ru-RU" sz="2000" dirty="0">
-                <a:effectLst/>
-                <a:latin typeface="Times New Roman" panose="02020603050405020304" pitchFamily="18" charset="0"/>
-                <a:ea typeface="Calibri" panose="020F0502020204030204" pitchFamily="34" charset="0"/>
-              </a:rPr>
-            </a:br>
-            <a:r>
-              <a:rPr lang="ru-RU" sz="2000" dirty="0">
-                <a:effectLst/>
-                <a:latin typeface="Times New Roman" panose="02020603050405020304" pitchFamily="18" charset="0"/>
-                <a:ea typeface="Calibri" panose="020F0502020204030204" pitchFamily="34" charset="0"/>
-              </a:rPr>
-              <a:t>На компьютере каждого пользователя должна быть установлена, разработанная в данной дипломной работе, клиентская программа «</a:t>
-            </a:r>
-            <a:r>
-              <a:rPr lang="ru-RU" sz="2000" dirty="0" err="1">
-                <a:effectLst/>
-                <a:latin typeface="Times New Roman" panose="02020603050405020304" pitchFamily="18" charset="0"/>
-                <a:ea typeface="Calibri" panose="020F0502020204030204" pitchFamily="34" charset="0"/>
-              </a:rPr>
-              <a:t>Rattlesnake</a:t>
-            </a:r>
-            <a:r>
-              <a:rPr lang="ru-RU" sz="2000" dirty="0">
-                <a:effectLst/>
-                <a:latin typeface="Times New Roman" panose="02020603050405020304" pitchFamily="18" charset="0"/>
-                <a:ea typeface="Calibri" panose="020F0502020204030204" pitchFamily="34" charset="0"/>
-              </a:rPr>
-              <a:t>.</a:t>
-            </a:r>
-            <a:r>
-              <a:rPr lang="en-US" sz="2000" dirty="0">
-                <a:effectLst/>
-                <a:latin typeface="Times New Roman" panose="02020603050405020304" pitchFamily="18" charset="0"/>
-                <a:ea typeface="Calibri" panose="020F0502020204030204" pitchFamily="34" charset="0"/>
-              </a:rPr>
-              <a:t>exe</a:t>
-            </a:r>
-            <a:r>
-              <a:rPr lang="ru-RU" sz="2000" dirty="0">
-                <a:effectLst/>
-                <a:latin typeface="Times New Roman" panose="02020603050405020304" pitchFamily="18" charset="0"/>
-                <a:ea typeface="Calibri" panose="020F0502020204030204" pitchFamily="34" charset="0"/>
-              </a:rPr>
-              <a:t>». Данная программа взаимодействует с сервером, установленным в локальной сети, который работает с базой данных «</a:t>
-            </a:r>
-            <a:r>
-              <a:rPr lang="ru-RU" sz="2000" dirty="0" err="1">
-                <a:effectLst/>
-                <a:latin typeface="Times New Roman" panose="02020603050405020304" pitchFamily="18" charset="0"/>
-                <a:ea typeface="Calibri" panose="020F0502020204030204" pitchFamily="34" charset="0"/>
-              </a:rPr>
-              <a:t>RattleSnakeDB</a:t>
-            </a:r>
-            <a:r>
-              <a:rPr lang="ru-RU" sz="2000" dirty="0">
-                <a:effectLst/>
-                <a:latin typeface="Times New Roman" panose="02020603050405020304" pitchFamily="18" charset="0"/>
-                <a:ea typeface="Calibri" panose="020F0502020204030204" pitchFamily="34" charset="0"/>
-              </a:rPr>
-              <a:t>». </a:t>
-            </a:r>
-            <a:endParaRPr lang="ru-RU" sz="6600" dirty="0"/>
           </a:p>
         </p:txBody>
       </p:sp>
     </p:spTree>
     <p:extLst>
       <p:ext uri="{BB962C8B-B14F-4D97-AF65-F5344CB8AC3E}">
-        <p14:creationId xmlns:p14="http://schemas.microsoft.com/office/powerpoint/2010/main" val="825300757"/>
+        <p14:creationId xmlns:p14="http://schemas.microsoft.com/office/powerpoint/2010/main" val="2896647675"/>
       </p:ext>
     </p:extLst>
   </p:cSld>
@@ -6459,10 +9064,77 @@
       </p:grpSpPr>
       <p:pic>
         <p:nvPicPr>
-          <p:cNvPr id="4" name="Рисунок 3">
-            <a:extLst>
-              <a:ext uri="{FF2B5EF4-FFF2-40B4-BE49-F238E27FC236}">
-                <a16:creationId xmlns:a16="http://schemas.microsoft.com/office/drawing/2014/main" id="{B3BF1153-98E3-48FA-A0F2-3A1C91470168}"/>
+          <p:cNvPr id="4" name="Picture 157">
+            <a:extLst>
+              <a:ext uri="{FF2B5EF4-FFF2-40B4-BE49-F238E27FC236}">
+                <a16:creationId xmlns:a16="http://schemas.microsoft.com/office/drawing/2014/main" id="{EAF24358-6E86-4292-B7A6-191808D2BFF8}"/>
+              </a:ext>
+            </a:extLst>
+          </p:cNvPr>
+          <p:cNvPicPr/>
+          <p:nvPr/>
+        </p:nvPicPr>
+        <p:blipFill rotWithShape="1">
+          <a:blip r:embed="rId2">
+            <a:extLst>
+              <a:ext uri="{28A0092B-C50C-407E-A947-70E740481C1C}">
+                <a14:useLocalDpi xmlns:a14="http://schemas.microsoft.com/office/drawing/2010/main" val="0"/>
+              </a:ext>
+            </a:extLst>
+          </a:blip>
+          <a:srcRect l="160" t="271" b="535"/>
+          <a:stretch/>
+        </p:blipFill>
+        <p:spPr>
+          <a:xfrm>
+            <a:off x="2159761" y="1230311"/>
+            <a:ext cx="7872477" cy="4397378"/>
+          </a:xfrm>
+          <a:prstGeom prst="rect">
+            <a:avLst/>
+          </a:prstGeom>
+        </p:spPr>
+      </p:pic>
+      <p:pic>
+        <p:nvPicPr>
+          <p:cNvPr id="5" name="Picture 1">
+            <a:extLst>
+              <a:ext uri="{FF2B5EF4-FFF2-40B4-BE49-F238E27FC236}">
+                <a16:creationId xmlns:a16="http://schemas.microsoft.com/office/drawing/2014/main" id="{F8978F14-05F8-404B-B1B8-BB9E3BFAE25A}"/>
+              </a:ext>
+            </a:extLst>
+          </p:cNvPr>
+          <p:cNvPicPr/>
+          <p:nvPr/>
+        </p:nvPicPr>
+        <p:blipFill>
+          <a:blip r:embed="rId3">
+            <a:extLst>
+              <a:ext uri="{28A0092B-C50C-407E-A947-70E740481C1C}">
+                <a14:useLocalDpi xmlns:a14="http://schemas.microsoft.com/office/drawing/2010/main" val="0"/>
+              </a:ext>
+            </a:extLst>
+          </a:blip>
+          <a:stretch>
+            <a:fillRect/>
+          </a:stretch>
+        </p:blipFill>
+        <p:spPr>
+          <a:xfrm>
+            <a:off x="2159760" y="1230311"/>
+            <a:ext cx="7872477" cy="4397378"/>
+          </a:xfrm>
+          <a:prstGeom prst="rect">
+            <a:avLst/>
+          </a:prstGeom>
+        </p:spPr>
+      </p:pic>
+      <p:pic>
+        <p:nvPicPr>
+          <p:cNvPr id="6" name="Рисунок 5">
+            <a:extLst>
+              <a:ext uri="{FF2B5EF4-FFF2-40B4-BE49-F238E27FC236}">
+                <a16:creationId xmlns:a16="http://schemas.microsoft.com/office/drawing/2014/main" id="{80468F98-F4B0-4744-8314-D8D96275D236}"/>
               </a:ext>
             </a:extLst>
           </p:cNvPr>
@@ -6472,31 +9144,189 @@
           <p:nvPr/>
         </p:nvPicPr>
         <p:blipFill>
-          <a:blip r:embed="rId2"/>
+          <a:blip r:embed="rId4"/>
           <a:stretch>
             <a:fillRect/>
           </a:stretch>
         </p:blipFill>
         <p:spPr>
           <a:xfrm>
-            <a:off x="229252" y="487863"/>
-            <a:ext cx="6056045" cy="6225758"/>
+            <a:off x="2159759" y="1230311"/>
+            <a:ext cx="7872477" cy="4397378"/>
           </a:xfrm>
           <a:prstGeom prst="rect">
             <a:avLst/>
           </a:prstGeom>
         </p:spPr>
       </p:pic>
+      <p:sp>
+        <p:nvSpPr>
+          <p:cNvPr id="7" name="Подзаголовок 2">
+            <a:extLst>
+              <a:ext uri="{FF2B5EF4-FFF2-40B4-BE49-F238E27FC236}">
+                <a16:creationId xmlns:a16="http://schemas.microsoft.com/office/drawing/2014/main" id="{C716A79D-8D97-4FC0-9920-5E2928D8F4AB}"/>
+              </a:ext>
+            </a:extLst>
+          </p:cNvPr>
+          <p:cNvSpPr>
+            <a:spLocks noGrp="1"/>
+          </p:cNvSpPr>
+          <p:nvPr>
+            <p:ph type="subTitle" idx="1"/>
+          </p:nvPr>
+        </p:nvSpPr>
+        <p:spPr>
+          <a:xfrm>
+            <a:off x="1701710" y="344576"/>
+            <a:ext cx="9144000" cy="395195"/>
+          </a:xfrm>
+        </p:spPr>
+        <p:txBody>
+          <a:bodyPr>
+            <a:normAutofit fontScale="92500" lnSpcReduction="20000"/>
+          </a:bodyPr>
+          <a:lstStyle/>
+          <a:p>
+            <a:r>
+              <a:rPr lang="ru-RU" sz="2800" dirty="0">
+                <a:latin typeface="Times New Roman" panose="02020603050405020304" pitchFamily="18" charset="0"/>
+                <a:cs typeface="Times New Roman" panose="02020603050405020304" pitchFamily="18" charset="0"/>
+              </a:rPr>
+              <a:t>Проектирование пользовательского интерфейса</a:t>
+            </a:r>
+          </a:p>
+        </p:txBody>
+      </p:sp>
     </p:spTree>
     <p:extLst>
       <p:ext uri="{BB962C8B-B14F-4D97-AF65-F5344CB8AC3E}">
-        <p14:creationId xmlns:p14="http://schemas.microsoft.com/office/powerpoint/2010/main" val="3134202529"/>
+        <p14:creationId xmlns:p14="http://schemas.microsoft.com/office/powerpoint/2010/main" val="344410607"/>
       </p:ext>
     </p:extLst>
   </p:cSld>
   <p:clrMapOvr>
     <a:masterClrMapping/>
   </p:clrMapOvr>
+  <p:timing>
+    <p:tnLst>
+      <p:par>
+        <p:cTn id="1" dur="indefinite" restart="never" nodeType="tmRoot">
+          <p:childTnLst>
+            <p:seq concurrent="1" nextAc="seek">
+              <p:cTn id="2" dur="indefinite" nodeType="mainSeq">
+                <p:childTnLst>
+                  <p:par>
+                    <p:cTn id="3" fill="hold">
+                      <p:stCondLst>
+                        <p:cond delay="indefinite"/>
+                      </p:stCondLst>
+                      <p:childTnLst>
+                        <p:par>
+                          <p:cTn id="4" fill="hold">
+                            <p:stCondLst>
+                              <p:cond delay="0"/>
+                            </p:stCondLst>
+                            <p:childTnLst>
+                              <p:par>
+                                <p:cTn id="5" presetID="1" presetClass="entr" presetSubtype="0" fill="hold" nodeType="clickEffect">
+                                  <p:stCondLst>
+                                    <p:cond delay="0"/>
+                                  </p:stCondLst>
+                                  <p:childTnLst>
+                                    <p:set>
+                                      <p:cBhvr>
+                                        <p:cTn id="6" dur="1" fill="hold">
+                                          <p:stCondLst>
+                                            <p:cond delay="0"/>
+                                          </p:stCondLst>
+                                        </p:cTn>
+                                        <p:tgtEl>
+                                          <p:spTgt spid="5"/>
+                                        </p:tgtEl>
+                                        <p:attrNameLst>
+                                          <p:attrName>style.visibility</p:attrName>
+                                        </p:attrNameLst>
+                                      </p:cBhvr>
+                                      <p:to>
+                                        <p:strVal val="visible"/>
+                                      </p:to>
+                                    </p:set>
+                                  </p:childTnLst>
+                                </p:cTn>
+                              </p:par>
+                            </p:childTnLst>
+                          </p:cTn>
+                        </p:par>
+                      </p:childTnLst>
+                    </p:cTn>
+                  </p:par>
+                  <p:par>
+                    <p:cTn id="7" fill="hold">
+                      <p:stCondLst>
+                        <p:cond delay="indefinite"/>
+                      </p:stCondLst>
+                      <p:childTnLst>
+                        <p:par>
+                          <p:cTn id="8" fill="hold">
+                            <p:stCondLst>
+                              <p:cond delay="0"/>
+                            </p:stCondLst>
+                            <p:childTnLst>
+                              <p:par>
+                                <p:cTn id="9" presetID="1" presetClass="entr" presetSubtype="0" fill="hold" nodeType="clickEffect">
+                                  <p:stCondLst>
+                                    <p:cond delay="0"/>
+                                  </p:stCondLst>
+                                  <p:childTnLst>
+                                    <p:set>
+                                      <p:cBhvr>
+                                        <p:cTn id="10" dur="1" fill="hold">
+                                          <p:stCondLst>
+                                            <p:cond delay="0"/>
+                                          </p:stCondLst>
+                                        </p:cTn>
+                                        <p:tgtEl>
+                                          <p:spTgt spid="6"/>
+                                        </p:tgtEl>
+                                        <p:attrNameLst>
+                                          <p:attrName>style.visibility</p:attrName>
+                                        </p:attrNameLst>
+                                      </p:cBhvr>
+                                      <p:to>
+                                        <p:strVal val="visible"/>
+                                      </p:to>
+                                    </p:set>
+                                  </p:childTnLst>
+                                </p:cTn>
+                              </p:par>
+                            </p:childTnLst>
+                          </p:cTn>
+                        </p:par>
+                      </p:childTnLst>
+                    </p:cTn>
+                  </p:par>
+                </p:childTnLst>
+              </p:cTn>
+              <p:prevCondLst>
+                <p:cond evt="onPrev" delay="0">
+                  <p:tgtEl>
+                    <p:sldTgt/>
+                  </p:tgtEl>
+                </p:cond>
+              </p:prevCondLst>
+              <p:nextCondLst>
+                <p:cond evt="onNext" delay="0">
+                  <p:tgtEl>
+                    <p:sldTgt/>
+                  </p:tgtEl>
+                </p:cond>
+              </p:nextCondLst>
+            </p:seq>
+          </p:childTnLst>
+        </p:cTn>
+      </p:par>
+    </p:tnLst>
+  </p:timing>
 </p:sld>
 </file>
 

--- a/Презентация для защиты.pptx
+++ b/Презентация для защиты.pptx
@@ -210,7 +210,7 @@
           <a:p>
             <a:fld id="{E79A91CA-C9C0-4C66-84CA-D98EE9030F70}" type="datetimeFigureOut">
               <a:rPr lang="ru-RU" smtClean="0"/>
-              <a:t>09.06.2021</a:t>
+              <a:t>10.06.2021</a:t>
             </a:fld>
             <a:endParaRPr lang="ru-RU"/>
           </a:p>
@@ -708,7 +708,7 @@
           <a:p>
             <a:fld id="{28D8AD26-EB9E-499C-8466-18CC63A9BCC4}" type="datetimeFigureOut">
               <a:rPr lang="ru-RU" smtClean="0"/>
-              <a:t>09.06.2021</a:t>
+              <a:t>10.06.2021</a:t>
             </a:fld>
             <a:endParaRPr lang="ru-RU"/>
           </a:p>
@@ -906,7 +906,7 @@
           <a:p>
             <a:fld id="{28D8AD26-EB9E-499C-8466-18CC63A9BCC4}" type="datetimeFigureOut">
               <a:rPr lang="ru-RU" smtClean="0"/>
-              <a:t>09.06.2021</a:t>
+              <a:t>10.06.2021</a:t>
             </a:fld>
             <a:endParaRPr lang="ru-RU"/>
           </a:p>
@@ -1114,7 +1114,7 @@
           <a:p>
             <a:fld id="{28D8AD26-EB9E-499C-8466-18CC63A9BCC4}" type="datetimeFigureOut">
               <a:rPr lang="ru-RU" smtClean="0"/>
-              <a:t>09.06.2021</a:t>
+              <a:t>10.06.2021</a:t>
             </a:fld>
             <a:endParaRPr lang="ru-RU"/>
           </a:p>
@@ -1312,7 +1312,7 @@
           <a:p>
             <a:fld id="{28D8AD26-EB9E-499C-8466-18CC63A9BCC4}" type="datetimeFigureOut">
               <a:rPr lang="ru-RU" smtClean="0"/>
-              <a:t>09.06.2021</a:t>
+              <a:t>10.06.2021</a:t>
             </a:fld>
             <a:endParaRPr lang="ru-RU"/>
           </a:p>
@@ -1587,7 +1587,7 @@
           <a:p>
             <a:fld id="{28D8AD26-EB9E-499C-8466-18CC63A9BCC4}" type="datetimeFigureOut">
               <a:rPr lang="ru-RU" smtClean="0"/>
-              <a:t>09.06.2021</a:t>
+              <a:t>10.06.2021</a:t>
             </a:fld>
             <a:endParaRPr lang="ru-RU"/>
           </a:p>
@@ -1852,7 +1852,7 @@
           <a:p>
             <a:fld id="{28D8AD26-EB9E-499C-8466-18CC63A9BCC4}" type="datetimeFigureOut">
               <a:rPr lang="ru-RU" smtClean="0"/>
-              <a:t>09.06.2021</a:t>
+              <a:t>10.06.2021</a:t>
             </a:fld>
             <a:endParaRPr lang="ru-RU"/>
           </a:p>
@@ -2264,7 +2264,7 @@
           <a:p>
             <a:fld id="{28D8AD26-EB9E-499C-8466-18CC63A9BCC4}" type="datetimeFigureOut">
               <a:rPr lang="ru-RU" smtClean="0"/>
-              <a:t>09.06.2021</a:t>
+              <a:t>10.06.2021</a:t>
             </a:fld>
             <a:endParaRPr lang="ru-RU"/>
           </a:p>
@@ -2405,7 +2405,7 @@
           <a:p>
             <a:fld id="{28D8AD26-EB9E-499C-8466-18CC63A9BCC4}" type="datetimeFigureOut">
               <a:rPr lang="ru-RU" smtClean="0"/>
-              <a:t>09.06.2021</a:t>
+              <a:t>10.06.2021</a:t>
             </a:fld>
             <a:endParaRPr lang="ru-RU"/>
           </a:p>
@@ -2518,7 +2518,7 @@
           <a:p>
             <a:fld id="{28D8AD26-EB9E-499C-8466-18CC63A9BCC4}" type="datetimeFigureOut">
               <a:rPr lang="ru-RU" smtClean="0"/>
-              <a:t>09.06.2021</a:t>
+              <a:t>10.06.2021</a:t>
             </a:fld>
             <a:endParaRPr lang="ru-RU"/>
           </a:p>
@@ -2829,7 +2829,7 @@
           <a:p>
             <a:fld id="{28D8AD26-EB9E-499C-8466-18CC63A9BCC4}" type="datetimeFigureOut">
               <a:rPr lang="ru-RU" smtClean="0"/>
-              <a:t>09.06.2021</a:t>
+              <a:t>10.06.2021</a:t>
             </a:fld>
             <a:endParaRPr lang="ru-RU"/>
           </a:p>
@@ -3117,7 +3117,7 @@
           <a:p>
             <a:fld id="{28D8AD26-EB9E-499C-8466-18CC63A9BCC4}" type="datetimeFigureOut">
               <a:rPr lang="ru-RU" smtClean="0"/>
-              <a:t>09.06.2021</a:t>
+              <a:t>10.06.2021</a:t>
             </a:fld>
             <a:endParaRPr lang="ru-RU"/>
           </a:p>
@@ -3358,7 +3358,7 @@
           <a:p>
             <a:fld id="{28D8AD26-EB9E-499C-8466-18CC63A9BCC4}" type="datetimeFigureOut">
               <a:rPr lang="ru-RU" smtClean="0"/>
-              <a:t>09.06.2021</a:t>
+              <a:t>10.06.2021</a:t>
             </a:fld>
             <a:endParaRPr lang="ru-RU"/>
           </a:p>
@@ -7346,7 +7346,16 @@
                 <a:ea typeface="Calibri" panose="020F0502020204030204" pitchFamily="34" charset="0"/>
                 <a:cs typeface="Symbol" panose="05050102010706020507" pitchFamily="18" charset="2"/>
               </a:rPr>
-              <a:t>выполнить проектирование подсистемы поддержки обучения английскому языку:</a:t>
+              <a:t>выполнить проектирование подсистемы поддержки обучения английскому языку</a:t>
+            </a:r>
+            <a:r>
+              <a:rPr lang="en-US" sz="2000" dirty="0">
+                <a:effectLst/>
+                <a:latin typeface="Times New Roman" panose="02020603050405020304" pitchFamily="18" charset="0"/>
+                <a:ea typeface="Calibri" panose="020F0502020204030204" pitchFamily="34" charset="0"/>
+                <a:cs typeface="Symbol" panose="05050102010706020507" pitchFamily="18" charset="2"/>
+              </a:rPr>
+              <a:t>;</a:t>
             </a:r>
             <a:endParaRPr lang="ru-RU" sz="2000" dirty="0">
               <a:effectLst/>
@@ -7373,7 +7382,7 @@
                 <a:ea typeface="Calibri" panose="020F0502020204030204" pitchFamily="34" charset="0"/>
                 <a:cs typeface="Symbol" panose="05050102010706020507" pitchFamily="18" charset="2"/>
               </a:rPr>
-              <a:t>разработать базу данных с использованием СУБД </a:t>
+              <a:t>разработать базу данных</a:t>
             </a:r>
             <a:r>
               <a:rPr lang="en-US" sz="2000" dirty="0">
@@ -7382,52 +7391,7 @@
                 <a:ea typeface="Calibri" panose="020F0502020204030204" pitchFamily="34" charset="0"/>
                 <a:cs typeface="Symbol" panose="05050102010706020507" pitchFamily="18" charset="2"/>
               </a:rPr>
-              <a:t>Microsoft SQL Server</a:t>
-            </a:r>
-            <a:r>
-              <a:rPr lang="ru-RU" sz="2000" dirty="0">
-                <a:effectLst/>
-                <a:latin typeface="Times New Roman" panose="02020603050405020304" pitchFamily="18" charset="0"/>
-                <a:ea typeface="Calibri" panose="020F0502020204030204" pitchFamily="34" charset="0"/>
-                <a:cs typeface="Symbol" panose="05050102010706020507" pitchFamily="18" charset="2"/>
-              </a:rPr>
-              <a:t> и </a:t>
-            </a:r>
-            <a:r>
-              <a:rPr lang="en-US" sz="2000" dirty="0">
-                <a:effectLst/>
-                <a:latin typeface="Times New Roman" panose="02020603050405020304" pitchFamily="18" charset="0"/>
-                <a:ea typeface="Calibri" panose="020F0502020204030204" pitchFamily="34" charset="0"/>
-                <a:cs typeface="Symbol" panose="05050102010706020507" pitchFamily="18" charset="2"/>
-              </a:rPr>
-              <a:t>SQL Server Management Studio</a:t>
-            </a:r>
-            <a:r>
-              <a:rPr lang="ru-RU" sz="2000" dirty="0">
-                <a:effectLst/>
-                <a:latin typeface="Times New Roman" panose="02020603050405020304" pitchFamily="18" charset="0"/>
-                <a:ea typeface="Calibri" panose="020F0502020204030204" pitchFamily="34" charset="0"/>
-                <a:cs typeface="Symbol" panose="05050102010706020507" pitchFamily="18" charset="2"/>
-              </a:rPr>
-              <a:t> (</a:t>
-            </a:r>
-            <a:r>
-              <a:rPr lang="en-US" sz="2000" dirty="0">
-                <a:effectLst/>
-                <a:latin typeface="Times New Roman" panose="02020603050405020304" pitchFamily="18" charset="0"/>
-                <a:ea typeface="Calibri" panose="020F0502020204030204" pitchFamily="34" charset="0"/>
-                <a:cs typeface="Symbol" panose="05050102010706020507" pitchFamily="18" charset="2"/>
-              </a:rPr>
-              <a:t>SSMS</a:t>
-            </a:r>
-            <a:r>
-              <a:rPr lang="ru-RU" sz="2000" dirty="0">
-                <a:effectLst/>
-                <a:latin typeface="Times New Roman" panose="02020603050405020304" pitchFamily="18" charset="0"/>
-                <a:ea typeface="Calibri" panose="020F0502020204030204" pitchFamily="34" charset="0"/>
-                <a:cs typeface="Symbol" panose="05050102010706020507" pitchFamily="18" charset="2"/>
-              </a:rPr>
-              <a:t>);</a:t>
+              <a:t>;</a:t>
             </a:r>
             <a:endParaRPr lang="ru-RU" sz="2000" dirty="0">
               <a:effectLst/>
@@ -7454,7 +7418,7 @@
                 <a:ea typeface="Calibri" panose="020F0502020204030204" pitchFamily="34" charset="0"/>
                 <a:cs typeface="Symbol" panose="05050102010706020507" pitchFamily="18" charset="2"/>
               </a:rPr>
-              <a:t>разработать программный код подсистемы с помощью среды разработки </a:t>
+              <a:t>разработать программный код подсистемы</a:t>
             </a:r>
             <a:r>
               <a:rPr lang="en-US" sz="2000" dirty="0">
@@ -7463,16 +7427,7 @@
                 <a:ea typeface="Calibri" panose="020F0502020204030204" pitchFamily="34" charset="0"/>
                 <a:cs typeface="Symbol" panose="05050102010706020507" pitchFamily="18" charset="2"/>
               </a:rPr>
-              <a:t>Visual Studio</a:t>
-            </a:r>
-            <a:r>
-              <a:rPr lang="ru-RU" sz="2000" dirty="0">
-                <a:effectLst/>
-                <a:latin typeface="Times New Roman" panose="02020603050405020304" pitchFamily="18" charset="0"/>
-                <a:ea typeface="Calibri" panose="020F0502020204030204" pitchFamily="34" charset="0"/>
-                <a:cs typeface="Symbol" panose="05050102010706020507" pitchFamily="18" charset="2"/>
-              </a:rPr>
-              <a:t>.</a:t>
+              <a:t>;</a:t>
             </a:r>
             <a:endParaRPr lang="ru-RU" sz="2000" dirty="0">
               <a:effectLst/>
